--- a/Graphics_Presentation/Revilations.pptx
+++ b/Graphics_Presentation/Revilations.pptx
@@ -6,9 +6,12 @@
   </p:sldMasterIdLst>
   <p:sldIdLst>
     <p:sldId id="256" r:id="rId2"/>
-    <p:sldId id="257" r:id="rId3"/>
-    <p:sldId id="259" r:id="rId4"/>
-    <p:sldId id="258" r:id="rId5"/>
+    <p:sldId id="262" r:id="rId3"/>
+    <p:sldId id="257" r:id="rId4"/>
+    <p:sldId id="263" r:id="rId5"/>
+    <p:sldId id="260" r:id="rId6"/>
+    <p:sldId id="261" r:id="rId7"/>
+    <p:sldId id="264" r:id="rId8"/>
   </p:sldIdLst>
   <p:sldSz cx="12192000" cy="6858000"/>
   <p:notesSz cx="6858000" cy="9144000"/>
@@ -107,6 +110,11 @@
       </a:defRPr>
     </a:lvl9pPr>
   </p:defaultTextStyle>
+  <p:extLst>
+    <p:ext uri="{EFAFB233-063F-42B5-8137-9DF3F51BA10A}">
+      <p15:sldGuideLst xmlns:p15="http://schemas.microsoft.com/office/powerpoint/2012/main"/>
+    </p:ext>
+  </p:extLst>
 </p:presentation>
 </file>
 
@@ -241,7 +249,7 @@
           <a:p>
             <a:fld id="{C47792E3-5FA7-4904-9DB2-FA136D539E6A}" type="datetimeFigureOut">
               <a:rPr lang="en-US" smtClean="0"/>
-              <a:t>10/21/2017</a:t>
+              <a:t>10/22/2017</a:t>
             </a:fld>
             <a:endParaRPr lang="en-US"/>
           </a:p>
@@ -411,7 +419,7 @@
           <a:p>
             <a:fld id="{C47792E3-5FA7-4904-9DB2-FA136D539E6A}" type="datetimeFigureOut">
               <a:rPr lang="en-US" smtClean="0"/>
-              <a:t>10/21/2017</a:t>
+              <a:t>10/22/2017</a:t>
             </a:fld>
             <a:endParaRPr lang="en-US"/>
           </a:p>
@@ -591,7 +599,7 @@
           <a:p>
             <a:fld id="{C47792E3-5FA7-4904-9DB2-FA136D539E6A}" type="datetimeFigureOut">
               <a:rPr lang="en-US" smtClean="0"/>
-              <a:t>10/21/2017</a:t>
+              <a:t>10/22/2017</a:t>
             </a:fld>
             <a:endParaRPr lang="en-US"/>
           </a:p>
@@ -761,7 +769,7 @@
           <a:p>
             <a:fld id="{C47792E3-5FA7-4904-9DB2-FA136D539E6A}" type="datetimeFigureOut">
               <a:rPr lang="en-US" smtClean="0"/>
-              <a:t>10/21/2017</a:t>
+              <a:t>10/22/2017</a:t>
             </a:fld>
             <a:endParaRPr lang="en-US"/>
           </a:p>
@@ -1007,7 +1015,7 @@
           <a:p>
             <a:fld id="{C47792E3-5FA7-4904-9DB2-FA136D539E6A}" type="datetimeFigureOut">
               <a:rPr lang="en-US" smtClean="0"/>
-              <a:t>10/21/2017</a:t>
+              <a:t>10/22/2017</a:t>
             </a:fld>
             <a:endParaRPr lang="en-US"/>
           </a:p>
@@ -1239,7 +1247,7 @@
           <a:p>
             <a:fld id="{C47792E3-5FA7-4904-9DB2-FA136D539E6A}" type="datetimeFigureOut">
               <a:rPr lang="en-US" smtClean="0"/>
-              <a:t>10/21/2017</a:t>
+              <a:t>10/22/2017</a:t>
             </a:fld>
             <a:endParaRPr lang="en-US"/>
           </a:p>
@@ -1606,7 +1614,7 @@
           <a:p>
             <a:fld id="{C47792E3-5FA7-4904-9DB2-FA136D539E6A}" type="datetimeFigureOut">
               <a:rPr lang="en-US" smtClean="0"/>
-              <a:t>10/21/2017</a:t>
+              <a:t>10/22/2017</a:t>
             </a:fld>
             <a:endParaRPr lang="en-US"/>
           </a:p>
@@ -1724,7 +1732,7 @@
           <a:p>
             <a:fld id="{C47792E3-5FA7-4904-9DB2-FA136D539E6A}" type="datetimeFigureOut">
               <a:rPr lang="en-US" smtClean="0"/>
-              <a:t>10/21/2017</a:t>
+              <a:t>10/22/2017</a:t>
             </a:fld>
             <a:endParaRPr lang="en-US"/>
           </a:p>
@@ -1819,7 +1827,7 @@
           <a:p>
             <a:fld id="{C47792E3-5FA7-4904-9DB2-FA136D539E6A}" type="datetimeFigureOut">
               <a:rPr lang="en-US" smtClean="0"/>
-              <a:t>10/21/2017</a:t>
+              <a:t>10/22/2017</a:t>
             </a:fld>
             <a:endParaRPr lang="en-US"/>
           </a:p>
@@ -2096,7 +2104,7 @@
           <a:p>
             <a:fld id="{C47792E3-5FA7-4904-9DB2-FA136D539E6A}" type="datetimeFigureOut">
               <a:rPr lang="en-US" smtClean="0"/>
-              <a:t>10/21/2017</a:t>
+              <a:t>10/22/2017</a:t>
             </a:fld>
             <a:endParaRPr lang="en-US"/>
           </a:p>
@@ -2349,7 +2357,7 @@
           <a:p>
             <a:fld id="{C47792E3-5FA7-4904-9DB2-FA136D539E6A}" type="datetimeFigureOut">
               <a:rPr lang="en-US" smtClean="0"/>
-              <a:t>10/21/2017</a:t>
+              <a:t>10/22/2017</a:t>
             </a:fld>
             <a:endParaRPr lang="en-US"/>
           </a:p>
@@ -2562,7 +2570,7 @@
           <a:p>
             <a:fld id="{C47792E3-5FA7-4904-9DB2-FA136D539E6A}" type="datetimeFigureOut">
               <a:rPr lang="en-US" smtClean="0"/>
-              <a:t>10/21/2017</a:t>
+              <a:t>10/22/2017</a:t>
             </a:fld>
             <a:endParaRPr lang="en-US"/>
           </a:p>
@@ -2976,7 +2984,7 @@
         <p:spPr>
           <a:xfrm>
             <a:off x="1804086" y="1977081"/>
-            <a:ext cx="3818096" cy="1015663"/>
+            <a:ext cx="3570208" cy="1015663"/>
           </a:xfrm>
           <a:prstGeom prst="rect">
             <a:avLst/>
@@ -2991,14 +2999,14 @@
           <a:p>
             <a:r>
               <a:rPr lang="en-US" sz="6000" dirty="0" err="1" smtClean="0">
-                <a:latin typeface="Segoe UI" panose="020B0502040204020203" pitchFamily="34" charset="0"/>
-                <a:cs typeface="Segoe UI" panose="020B0502040204020203" pitchFamily="34" charset="0"/>
+                <a:latin typeface="Segoe UI Light" panose="020B0502040204020203" pitchFamily="34" charset="0"/>
+                <a:cs typeface="Segoe UI Light" panose="020B0502040204020203" pitchFamily="34" charset="0"/>
               </a:rPr>
               <a:t>Revilations</a:t>
             </a:r>
             <a:endParaRPr lang="en-US" sz="6000" dirty="0">
-              <a:latin typeface="Segoe UI" panose="020B0502040204020203" pitchFamily="34" charset="0"/>
-              <a:cs typeface="Segoe UI" panose="020B0502040204020203" pitchFamily="34" charset="0"/>
+              <a:latin typeface="Segoe UI Light" panose="020B0502040204020203" pitchFamily="34" charset="0"/>
+              <a:cs typeface="Segoe UI Light" panose="020B0502040204020203" pitchFamily="34" charset="0"/>
             </a:endParaRPr>
           </a:p>
         </p:txBody>
@@ -3056,13 +3064,13 @@
               </a:ext>
             </a:extLst>
           </a:blip>
-          <a:srcRect t="14352"/>
+          <a:srcRect l="4538" t="14350" b="55660"/>
           <a:stretch/>
         </p:blipFill>
         <p:spPr>
           <a:xfrm>
-            <a:off x="864102" y="1647825"/>
-            <a:ext cx="9108573" cy="5210174"/>
+            <a:off x="165100" y="4083219"/>
+            <a:ext cx="11440468" cy="2400300"/>
           </a:xfrm>
           <a:prstGeom prst="rect">
             <a:avLst/>
@@ -3071,14 +3079,14 @@
       </p:pic>
       <p:sp>
         <p:nvSpPr>
-          <p:cNvPr id="6" name="TextBox 5"/>
+          <p:cNvPr id="4" name="TextBox 3"/>
           <p:cNvSpPr txBox="1"/>
           <p:nvPr/>
         </p:nvSpPr>
         <p:spPr>
           <a:xfrm>
-            <a:off x="0" y="0"/>
-            <a:ext cx="12192000" cy="1200329"/>
+            <a:off x="165100" y="0"/>
+            <a:ext cx="12026899" cy="707886"/>
           </a:xfrm>
           <a:prstGeom prst="rect">
             <a:avLst/>
@@ -3092,41 +3100,52 @@
           <a:lstStyle/>
           <a:p>
             <a:r>
-              <a:rPr lang="en-US" sz="2400" dirty="0" smtClean="0">
+              <a:rPr lang="en-US" sz="4000" dirty="0" smtClean="0">
                 <a:latin typeface="Segoe UI" panose="020B0502040204020203" pitchFamily="34" charset="0"/>
                 <a:cs typeface="Segoe UI" panose="020B0502040204020203" pitchFamily="34" charset="0"/>
               </a:rPr>
-              <a:t>Automation tool for the 99%. </a:t>
-            </a:r>
-          </a:p>
-          <a:p>
-            <a:r>
-              <a:rPr lang="en-US" sz="2400" dirty="0" smtClean="0">
-                <a:latin typeface="Segoe UI" panose="020B0502040204020203" pitchFamily="34" charset="0"/>
-                <a:cs typeface="Segoe UI" panose="020B0502040204020203" pitchFamily="34" charset="0"/>
-              </a:rPr>
-              <a:t>Easily define parent-child relationships between objects within Revit.</a:t>
-            </a:r>
-          </a:p>
-          <a:p>
-            <a:r>
-              <a:rPr lang="en-US" sz="2400" dirty="0" smtClean="0">
-                <a:latin typeface="Segoe UI" panose="020B0502040204020203" pitchFamily="34" charset="0"/>
-                <a:cs typeface="Segoe UI" panose="020B0502040204020203" pitchFamily="34" charset="0"/>
-              </a:rPr>
-              <a:t>Model groups do not support parent-child relationships</a:t>
-            </a:r>
-            <a:endParaRPr lang="en-US" sz="2400" dirty="0">
+              <a:t>The Problem: Repetitive tasks</a:t>
+            </a:r>
+            <a:endParaRPr lang="en-US" sz="4000" dirty="0">
               <a:latin typeface="Segoe UI" panose="020B0502040204020203" pitchFamily="34" charset="0"/>
               <a:cs typeface="Segoe UI" panose="020B0502040204020203" pitchFamily="34" charset="0"/>
             </a:endParaRPr>
           </a:p>
         </p:txBody>
       </p:sp>
+      <p:pic>
+        <p:nvPicPr>
+          <p:cNvPr id="5" name="Picture 4"/>
+          <p:cNvPicPr>
+            <a:picLocks noChangeAspect="1"/>
+          </p:cNvPicPr>
+          <p:nvPr/>
+        </p:nvPicPr>
+        <p:blipFill rotWithShape="1">
+          <a:blip r:embed="rId2">
+            <a:extLst>
+              <a:ext uri="{28A0092B-C50C-407E-A947-70E740481C1C}">
+                <a14:useLocalDpi xmlns:a14="http://schemas.microsoft.com/office/drawing/2010/main" val="0"/>
+              </a:ext>
+            </a:extLst>
+          </a:blip>
+          <a:srcRect l="58565" t="53860" b="3967"/>
+          <a:stretch/>
+        </p:blipFill>
+        <p:spPr>
+          <a:xfrm>
+            <a:off x="165100" y="707886"/>
+            <a:ext cx="4965699" cy="3375333"/>
+          </a:xfrm>
+          <a:prstGeom prst="rect">
+            <a:avLst/>
+          </a:prstGeom>
+        </p:spPr>
+      </p:pic>
     </p:spTree>
     <p:extLst>
       <p:ext uri="{BB962C8B-B14F-4D97-AF65-F5344CB8AC3E}">
-        <p14:creationId xmlns:p14="http://schemas.microsoft.com/office/powerpoint/2010/main" val="2611015834"/>
+        <p14:creationId xmlns:p14="http://schemas.microsoft.com/office/powerpoint/2010/main" val="3730319518"/>
       </p:ext>
     </p:extLst>
   </p:cSld>
@@ -3160,6 +3179,65 @@
           <a:chExt cx="0" cy="0"/>
         </a:xfrm>
       </p:grpSpPr>
+      <p:pic>
+        <p:nvPicPr>
+          <p:cNvPr id="7" name="Picture 6"/>
+          <p:cNvPicPr>
+            <a:picLocks noChangeAspect="1"/>
+          </p:cNvPicPr>
+          <p:nvPr/>
+        </p:nvPicPr>
+        <p:blipFill rotWithShape="1">
+          <a:blip r:embed="rId2" cstate="print">
+            <a:extLst>
+              <a:ext uri="{28A0092B-C50C-407E-A947-70E740481C1C}">
+                <a14:useLocalDpi xmlns:a14="http://schemas.microsoft.com/office/drawing/2010/main" val="0"/>
+              </a:ext>
+            </a:extLst>
+          </a:blip>
+          <a:srcRect l="19" t="49711" r="29170" b="3643"/>
+          <a:stretch/>
+        </p:blipFill>
+        <p:spPr>
+          <a:xfrm>
+            <a:off x="165100" y="3251200"/>
+            <a:ext cx="11826875" cy="3416300"/>
+          </a:xfrm>
+          <a:prstGeom prst="rect">
+            <a:avLst/>
+          </a:prstGeom>
+        </p:spPr>
+      </p:pic>
+      <p:pic>
+        <p:nvPicPr>
+          <p:cNvPr id="4" name="Picture 3"/>
+          <p:cNvPicPr>
+            <a:picLocks noChangeAspect="1"/>
+          </p:cNvPicPr>
+          <p:nvPr/>
+        </p:nvPicPr>
+        <p:blipFill>
+          <a:blip r:embed="rId3" cstate="print">
+            <a:extLst>
+              <a:ext uri="{28A0092B-C50C-407E-A947-70E740481C1C}">
+                <a14:useLocalDpi xmlns:a14="http://schemas.microsoft.com/office/drawing/2010/main" val="0"/>
+              </a:ext>
+            </a:extLst>
+          </a:blip>
+          <a:stretch>
+            <a:fillRect/>
+          </a:stretch>
+        </p:blipFill>
+        <p:spPr>
+          <a:xfrm>
+            <a:off x="6311900" y="177800"/>
+            <a:ext cx="5679347" cy="2848573"/>
+          </a:xfrm>
+          <a:prstGeom prst="rect">
+            <a:avLst/>
+          </a:prstGeom>
+        </p:spPr>
+      </p:pic>
       <p:sp>
         <p:nvSpPr>
           <p:cNvPr id="6" name="TextBox 5"/>
@@ -3168,8 +3246,8 @@
         </p:nvSpPr>
         <p:spPr>
           <a:xfrm>
-            <a:off x="1" y="0"/>
-            <a:ext cx="12192000" cy="1200329"/>
+            <a:off x="320675" y="889068"/>
+            <a:ext cx="5991225" cy="1569660"/>
           </a:xfrm>
           <a:prstGeom prst="rect">
             <a:avLst/>
@@ -3177,57 +3255,63 @@
           <a:noFill/>
         </p:spPr>
         <p:txBody>
-          <a:bodyPr wrap="square" rtlCol="0">
+          <a:bodyPr wrap="square" rtlCol="0" anchor="ctr">
             <a:spAutoFit/>
           </a:bodyPr>
           <a:lstStyle/>
           <a:p>
             <a:r>
-              <a:rPr lang="en-US" sz="2400" dirty="0" smtClean="0">
-                <a:latin typeface="Segoe UI" panose="020B0502040204020203" pitchFamily="34" charset="0"/>
-                <a:cs typeface="Segoe UI" panose="020B0502040204020203" pitchFamily="34" charset="0"/>
+              <a:rPr lang="en-US" sz="3200" dirty="0" smtClean="0">
+                <a:latin typeface="Segoe UI Light" panose="020B0502040204020203" pitchFamily="34" charset="0"/>
+                <a:cs typeface="Segoe UI Light" panose="020B0502040204020203" pitchFamily="34" charset="0"/>
               </a:rPr>
-              <a:t>Solution: </a:t>
-            </a:r>
-          </a:p>
-          <a:p>
-            <a:r>
-              <a:rPr lang="en-US" sz="2400" dirty="0" smtClean="0">
-                <a:latin typeface="Segoe UI" panose="020B0502040204020203" pitchFamily="34" charset="0"/>
-                <a:cs typeface="Segoe UI" panose="020B0502040204020203" pitchFamily="34" charset="0"/>
+              <a:t>Set child-parent relationships</a:t>
+            </a:r>
+          </a:p>
+          <a:p>
+            <a:endParaRPr lang="en-US" sz="3200" dirty="0" smtClean="0">
+              <a:latin typeface="Segoe UI Light" panose="020B0502040204020203" pitchFamily="34" charset="0"/>
+              <a:cs typeface="Segoe UI Light" panose="020B0502040204020203" pitchFamily="34" charset="0"/>
+            </a:endParaRPr>
+          </a:p>
+          <a:p>
+            <a:r>
+              <a:rPr lang="en-US" sz="3200" dirty="0" smtClean="0">
+                <a:latin typeface="Segoe UI Light" panose="020B0502040204020203" pitchFamily="34" charset="0"/>
+                <a:cs typeface="Segoe UI Light" panose="020B0502040204020203" pitchFamily="34" charset="0"/>
               </a:rPr>
-              <a:t>Gather relationships between objects in “guideplates” and auto-populate/update all rooms. Allow the user to manually adjust guideplate in Revit UI.  </a:t>
-            </a:r>
-            <a:endParaRPr lang="en-US" sz="2400" dirty="0">
-              <a:latin typeface="Segoe UI" panose="020B0502040204020203" pitchFamily="34" charset="0"/>
-              <a:cs typeface="Segoe UI" panose="020B0502040204020203" pitchFamily="34" charset="0"/>
+              <a:t>Automate placement + updating</a:t>
+            </a:r>
+            <a:endParaRPr lang="en-US" sz="3200" dirty="0">
+              <a:latin typeface="Segoe UI Light" panose="020B0502040204020203" pitchFamily="34" charset="0"/>
+              <a:cs typeface="Segoe UI Light" panose="020B0502040204020203" pitchFamily="34" charset="0"/>
             </a:endParaRPr>
           </a:p>
         </p:txBody>
       </p:sp>
       <p:pic>
         <p:nvPicPr>
-          <p:cNvPr id="5" name="Picture 4"/>
+          <p:cNvPr id="8" name="Picture 7"/>
           <p:cNvPicPr>
             <a:picLocks noChangeAspect="1"/>
           </p:cNvPicPr>
           <p:nvPr/>
         </p:nvPicPr>
         <p:blipFill rotWithShape="1">
-          <a:blip r:embed="rId2">
+          <a:blip r:embed="rId4" cstate="print">
             <a:extLst>
               <a:ext uri="{28A0092B-C50C-407E-A947-70E740481C1C}">
                 <a14:useLocalDpi xmlns:a14="http://schemas.microsoft.com/office/drawing/2010/main" val="0"/>
               </a:ext>
             </a:extLst>
           </a:blip>
-          <a:srcRect l="37989" t="65083" r="50090" b="6890"/>
+          <a:srcRect r="35065"/>
           <a:stretch/>
         </p:blipFill>
         <p:spPr>
           <a:xfrm>
-            <a:off x="3883483" y="1514475"/>
-            <a:ext cx="3403142" cy="5343525"/>
+            <a:off x="165100" y="3251200"/>
+            <a:ext cx="11823700" cy="3416300"/>
           </a:xfrm>
           <a:prstGeom prst="rect">
             <a:avLst/>
@@ -3237,7 +3321,7 @@
     </p:spTree>
     <p:extLst>
       <p:ext uri="{BB962C8B-B14F-4D97-AF65-F5344CB8AC3E}">
-        <p14:creationId xmlns:p14="http://schemas.microsoft.com/office/powerpoint/2010/main" val="1624118906"/>
+        <p14:creationId xmlns:p14="http://schemas.microsoft.com/office/powerpoint/2010/main" val="2611015834"/>
       </p:ext>
     </p:extLst>
   </p:cSld>
@@ -3273,27 +3357,27 @@
       </p:grpSpPr>
       <p:pic>
         <p:nvPicPr>
-          <p:cNvPr id="3" name="Picture 2"/>
+          <p:cNvPr id="2" name="Picture 1"/>
           <p:cNvPicPr>
             <a:picLocks noChangeAspect="1"/>
           </p:cNvPicPr>
           <p:nvPr/>
         </p:nvPicPr>
         <p:blipFill rotWithShape="1">
-          <a:blip r:embed="rId2">
+          <a:blip r:embed="rId2" cstate="print">
             <a:extLst>
               <a:ext uri="{28A0092B-C50C-407E-A947-70E740481C1C}">
                 <a14:useLocalDpi xmlns:a14="http://schemas.microsoft.com/office/drawing/2010/main" val="0"/>
               </a:ext>
             </a:extLst>
           </a:blip>
-          <a:srcRect b="46933"/>
+          <a:srcRect l="6023" t="390" r="7520"/>
           <a:stretch/>
         </p:blipFill>
         <p:spPr>
           <a:xfrm>
-            <a:off x="816477" y="1264376"/>
-            <a:ext cx="10058400" cy="3564799"/>
+            <a:off x="165099" y="177800"/>
+            <a:ext cx="11826875" cy="6489700"/>
           </a:xfrm>
           <a:prstGeom prst="rect">
             <a:avLst/>
@@ -3303,7 +3387,370 @@
     </p:spTree>
     <p:extLst>
       <p:ext uri="{BB962C8B-B14F-4D97-AF65-F5344CB8AC3E}">
-        <p14:creationId xmlns:p14="http://schemas.microsoft.com/office/powerpoint/2010/main" val="3797556450"/>
+        <p14:creationId xmlns:p14="http://schemas.microsoft.com/office/powerpoint/2010/main" val="2674240689"/>
+      </p:ext>
+    </p:extLst>
+  </p:cSld>
+  <p:clrMapOvr>
+    <a:masterClrMapping/>
+  </p:clrMapOvr>
+  <p:timing>
+    <p:tnLst>
+      <p:par>
+        <p:cTn id="1" dur="indefinite" restart="never" nodeType="tmRoot"/>
+      </p:par>
+    </p:tnLst>
+  </p:timing>
+</p:sld>
+</file>
+
+<file path=ppt/slides/slide5.xml><?xml version="1.0" encoding="utf-8"?>
+<p:sld xmlns:a="http://schemas.openxmlformats.org/drawingml/2006/main" xmlns:r="http://schemas.openxmlformats.org/officeDocument/2006/relationships" xmlns:p="http://schemas.openxmlformats.org/presentationml/2006/main">
+  <p:cSld>
+    <p:spTree>
+      <p:nvGrpSpPr>
+        <p:cNvPr id="1" name=""/>
+        <p:cNvGrpSpPr/>
+        <p:nvPr/>
+      </p:nvGrpSpPr>
+      <p:grpSpPr>
+        <a:xfrm>
+          <a:off x="0" y="0"/>
+          <a:ext cx="0" cy="0"/>
+          <a:chOff x="0" y="0"/>
+          <a:chExt cx="0" cy="0"/>
+        </a:xfrm>
+      </p:grpSpPr>
+      <p:sp>
+        <p:nvSpPr>
+          <p:cNvPr id="4" name="TextBox 3"/>
+          <p:cNvSpPr txBox="1"/>
+          <p:nvPr/>
+        </p:nvSpPr>
+        <p:spPr>
+          <a:xfrm>
+            <a:off x="165100" y="0"/>
+            <a:ext cx="12192000" cy="707886"/>
+          </a:xfrm>
+          <a:prstGeom prst="rect">
+            <a:avLst/>
+          </a:prstGeom>
+          <a:noFill/>
+        </p:spPr>
+        <p:txBody>
+          <a:bodyPr wrap="square" rtlCol="0">
+            <a:spAutoFit/>
+          </a:bodyPr>
+          <a:lstStyle/>
+          <a:p>
+            <a:r>
+              <a:rPr lang="en-US" sz="4000" dirty="0" smtClean="0">
+                <a:latin typeface="Segoe UI" panose="020B0502040204020203" pitchFamily="34" charset="0"/>
+                <a:cs typeface="Segoe UI" panose="020B0502040204020203" pitchFamily="34" charset="0"/>
+              </a:rPr>
+              <a:t>Enables smart guide plates</a:t>
+            </a:r>
+            <a:endParaRPr lang="en-US" sz="4000" dirty="0">
+              <a:latin typeface="Segoe UI" panose="020B0502040204020203" pitchFamily="34" charset="0"/>
+              <a:cs typeface="Segoe UI" panose="020B0502040204020203" pitchFamily="34" charset="0"/>
+            </a:endParaRPr>
+          </a:p>
+        </p:txBody>
+      </p:sp>
+      <p:pic>
+        <p:nvPicPr>
+          <p:cNvPr id="2" name="Picture 1"/>
+          <p:cNvPicPr>
+            <a:picLocks noChangeAspect="1"/>
+          </p:cNvPicPr>
+          <p:nvPr/>
+        </p:nvPicPr>
+        <p:blipFill>
+          <a:blip r:embed="rId2"/>
+          <a:stretch>
+            <a:fillRect/>
+          </a:stretch>
+        </p:blipFill>
+        <p:spPr>
+          <a:xfrm>
+            <a:off x="0" y="1186631"/>
+            <a:ext cx="12192000" cy="5221337"/>
+          </a:xfrm>
+          <a:prstGeom prst="rect">
+            <a:avLst/>
+          </a:prstGeom>
+        </p:spPr>
+      </p:pic>
+    </p:spTree>
+    <p:extLst>
+      <p:ext uri="{BB962C8B-B14F-4D97-AF65-F5344CB8AC3E}">
+        <p14:creationId xmlns:p14="http://schemas.microsoft.com/office/powerpoint/2010/main" val="123461679"/>
+      </p:ext>
+    </p:extLst>
+  </p:cSld>
+  <p:clrMapOvr>
+    <a:masterClrMapping/>
+  </p:clrMapOvr>
+  <p:timing>
+    <p:tnLst>
+      <p:par>
+        <p:cTn id="1" dur="indefinite" restart="never" nodeType="tmRoot"/>
+      </p:par>
+    </p:tnLst>
+  </p:timing>
+</p:sld>
+</file>
+
+<file path=ppt/slides/slide6.xml><?xml version="1.0" encoding="utf-8"?>
+<p:sld xmlns:a="http://schemas.openxmlformats.org/drawingml/2006/main" xmlns:r="http://schemas.openxmlformats.org/officeDocument/2006/relationships" xmlns:p="http://schemas.openxmlformats.org/presentationml/2006/main">
+  <p:cSld>
+    <p:spTree>
+      <p:nvGrpSpPr>
+        <p:cNvPr id="1" name=""/>
+        <p:cNvGrpSpPr/>
+        <p:nvPr/>
+      </p:nvGrpSpPr>
+      <p:grpSpPr>
+        <a:xfrm>
+          <a:off x="0" y="0"/>
+          <a:ext cx="0" cy="0"/>
+          <a:chOff x="0" y="0"/>
+          <a:chExt cx="0" cy="0"/>
+        </a:xfrm>
+      </p:grpSpPr>
+      <p:pic>
+        <p:nvPicPr>
+          <p:cNvPr id="7" name="Picture 6"/>
+          <p:cNvPicPr>
+            <a:picLocks noChangeAspect="1"/>
+          </p:cNvPicPr>
+          <p:nvPr/>
+        </p:nvPicPr>
+        <p:blipFill>
+          <a:blip r:embed="rId2">
+            <a:extLst>
+              <a:ext uri="{28A0092B-C50C-407E-A947-70E740481C1C}">
+                <a14:useLocalDpi xmlns:a14="http://schemas.microsoft.com/office/drawing/2010/main" val="0"/>
+              </a:ext>
+            </a:extLst>
+          </a:blip>
+          <a:stretch>
+            <a:fillRect/>
+          </a:stretch>
+        </p:blipFill>
+        <p:spPr>
+          <a:xfrm>
+            <a:off x="165100" y="908050"/>
+            <a:ext cx="6819900" cy="5771985"/>
+          </a:xfrm>
+          <a:prstGeom prst="rect">
+            <a:avLst/>
+          </a:prstGeom>
+        </p:spPr>
+      </p:pic>
+      <p:sp>
+        <p:nvSpPr>
+          <p:cNvPr id="6" name="TextBox 5"/>
+          <p:cNvSpPr txBox="1"/>
+          <p:nvPr/>
+        </p:nvSpPr>
+        <p:spPr>
+          <a:xfrm>
+            <a:off x="165100" y="0"/>
+            <a:ext cx="12026899" cy="707886"/>
+          </a:xfrm>
+          <a:prstGeom prst="rect">
+            <a:avLst/>
+          </a:prstGeom>
+          <a:noFill/>
+        </p:spPr>
+        <p:txBody>
+          <a:bodyPr wrap="square" rtlCol="0">
+            <a:spAutoFit/>
+          </a:bodyPr>
+          <a:lstStyle/>
+          <a:p>
+            <a:r>
+              <a:rPr lang="en-US" sz="4000" dirty="0" smtClean="0">
+                <a:latin typeface="Segoe UI" panose="020B0502040204020203" pitchFamily="34" charset="0"/>
+                <a:cs typeface="Segoe UI" panose="020B0502040204020203" pitchFamily="34" charset="0"/>
+              </a:rPr>
+              <a:t>Use Cases: Any large hospital, lab or office</a:t>
+            </a:r>
+            <a:endParaRPr lang="en-US" sz="4000" dirty="0">
+              <a:latin typeface="Segoe UI" panose="020B0502040204020203" pitchFamily="34" charset="0"/>
+              <a:cs typeface="Segoe UI" panose="020B0502040204020203" pitchFamily="34" charset="0"/>
+            </a:endParaRPr>
+          </a:p>
+        </p:txBody>
+      </p:sp>
+    </p:spTree>
+    <p:extLst>
+      <p:ext uri="{BB962C8B-B14F-4D97-AF65-F5344CB8AC3E}">
+        <p14:creationId xmlns:p14="http://schemas.microsoft.com/office/powerpoint/2010/main" val="1545238856"/>
+      </p:ext>
+    </p:extLst>
+  </p:cSld>
+  <p:clrMapOvr>
+    <a:masterClrMapping/>
+  </p:clrMapOvr>
+  <p:timing>
+    <p:tnLst>
+      <p:par>
+        <p:cTn id="1" dur="indefinite" restart="never" nodeType="tmRoot"/>
+      </p:par>
+    </p:tnLst>
+  </p:timing>
+</p:sld>
+</file>
+
+<file path=ppt/slides/slide7.xml><?xml version="1.0" encoding="utf-8"?>
+<p:sld xmlns:a="http://schemas.openxmlformats.org/drawingml/2006/main" xmlns:r="http://schemas.openxmlformats.org/officeDocument/2006/relationships" xmlns:p="http://schemas.openxmlformats.org/presentationml/2006/main">
+  <p:cSld>
+    <p:spTree>
+      <p:nvGrpSpPr>
+        <p:cNvPr id="1" name=""/>
+        <p:cNvGrpSpPr/>
+        <p:nvPr/>
+      </p:nvGrpSpPr>
+      <p:grpSpPr>
+        <a:xfrm>
+          <a:off x="0" y="0"/>
+          <a:ext cx="0" cy="0"/>
+          <a:chOff x="0" y="0"/>
+          <a:chExt cx="0" cy="0"/>
+        </a:xfrm>
+      </p:grpSpPr>
+      <p:pic>
+        <p:nvPicPr>
+          <p:cNvPr id="7" name="Picture 6"/>
+          <p:cNvPicPr>
+            <a:picLocks noChangeAspect="1"/>
+          </p:cNvPicPr>
+          <p:nvPr/>
+        </p:nvPicPr>
+        <p:blipFill>
+          <a:blip r:embed="rId2">
+            <a:extLst>
+              <a:ext uri="{28A0092B-C50C-407E-A947-70E740481C1C}">
+                <a14:useLocalDpi xmlns:a14="http://schemas.microsoft.com/office/drawing/2010/main" val="0"/>
+              </a:ext>
+            </a:extLst>
+          </a:blip>
+          <a:stretch>
+            <a:fillRect/>
+          </a:stretch>
+        </p:blipFill>
+        <p:spPr>
+          <a:xfrm>
+            <a:off x="165100" y="908050"/>
+            <a:ext cx="6819900" cy="5771985"/>
+          </a:xfrm>
+          <a:prstGeom prst="rect">
+            <a:avLst/>
+          </a:prstGeom>
+        </p:spPr>
+      </p:pic>
+      <p:pic>
+        <p:nvPicPr>
+          <p:cNvPr id="2" name="Picture 1"/>
+          <p:cNvPicPr>
+            <a:picLocks noChangeAspect="1"/>
+          </p:cNvPicPr>
+          <p:nvPr/>
+        </p:nvPicPr>
+        <p:blipFill>
+          <a:blip r:embed="rId3">
+            <a:extLst>
+              <a:ext uri="{28A0092B-C50C-407E-A947-70E740481C1C}">
+                <a14:useLocalDpi xmlns:a14="http://schemas.microsoft.com/office/drawing/2010/main" val="0"/>
+              </a:ext>
+            </a:extLst>
+          </a:blip>
+          <a:stretch>
+            <a:fillRect/>
+          </a:stretch>
+        </p:blipFill>
+        <p:spPr>
+          <a:xfrm>
+            <a:off x="508000" y="908050"/>
+            <a:ext cx="3225800" cy="3043005"/>
+          </a:xfrm>
+          <a:prstGeom prst="rect">
+            <a:avLst/>
+          </a:prstGeom>
+        </p:spPr>
+      </p:pic>
+      <p:pic>
+        <p:nvPicPr>
+          <p:cNvPr id="5" name="Picture 4"/>
+          <p:cNvPicPr>
+            <a:picLocks noChangeAspect="1"/>
+          </p:cNvPicPr>
+          <p:nvPr/>
+        </p:nvPicPr>
+        <p:blipFill>
+          <a:blip r:embed="rId4">
+            <a:extLst>
+              <a:ext uri="{28A0092B-C50C-407E-A947-70E740481C1C}">
+                <a14:useLocalDpi xmlns:a14="http://schemas.microsoft.com/office/drawing/2010/main" val="0"/>
+              </a:ext>
+            </a:extLst>
+          </a:blip>
+          <a:stretch>
+            <a:fillRect/>
+          </a:stretch>
+        </p:blipFill>
+        <p:spPr>
+          <a:xfrm>
+            <a:off x="4513649" y="1047250"/>
+            <a:ext cx="4350952" cy="2796509"/>
+          </a:xfrm>
+          <a:prstGeom prst="rect">
+            <a:avLst/>
+          </a:prstGeom>
+        </p:spPr>
+      </p:pic>
+      <p:sp>
+        <p:nvSpPr>
+          <p:cNvPr id="6" name="TextBox 5"/>
+          <p:cNvSpPr txBox="1"/>
+          <p:nvPr/>
+        </p:nvSpPr>
+        <p:spPr>
+          <a:xfrm>
+            <a:off x="165100" y="0"/>
+            <a:ext cx="12026899" cy="707886"/>
+          </a:xfrm>
+          <a:prstGeom prst="rect">
+            <a:avLst/>
+          </a:prstGeom>
+          <a:noFill/>
+        </p:spPr>
+        <p:txBody>
+          <a:bodyPr wrap="square" rtlCol="0">
+            <a:spAutoFit/>
+          </a:bodyPr>
+          <a:lstStyle/>
+          <a:p>
+            <a:r>
+              <a:rPr lang="en-US" sz="4000" dirty="0" smtClean="0">
+                <a:latin typeface="Segoe UI" panose="020B0502040204020203" pitchFamily="34" charset="0"/>
+                <a:cs typeface="Segoe UI" panose="020B0502040204020203" pitchFamily="34" charset="0"/>
+              </a:rPr>
+              <a:t>Use Cases: Any large hospital, lab or office</a:t>
+            </a:r>
+            <a:endParaRPr lang="en-US" sz="4000" dirty="0">
+              <a:latin typeface="Segoe UI" panose="020B0502040204020203" pitchFamily="34" charset="0"/>
+              <a:cs typeface="Segoe UI" panose="020B0502040204020203" pitchFamily="34" charset="0"/>
+            </a:endParaRPr>
+          </a:p>
+        </p:txBody>
+      </p:sp>
+    </p:spTree>
+    <p:extLst>
+      <p:ext uri="{BB962C8B-B14F-4D97-AF65-F5344CB8AC3E}">
+        <p14:creationId xmlns:p14="http://schemas.microsoft.com/office/powerpoint/2010/main" val="1929540577"/>
       </p:ext>
     </p:extLst>
   </p:cSld>

--- a/Graphics_Presentation/Revilations.pptx
+++ b/Graphics_Presentation/Revilations.pptx
@@ -6,12 +6,13 @@
   </p:sldMasterIdLst>
   <p:sldIdLst>
     <p:sldId id="256" r:id="rId2"/>
-    <p:sldId id="262" r:id="rId3"/>
-    <p:sldId id="257" r:id="rId4"/>
-    <p:sldId id="263" r:id="rId5"/>
-    <p:sldId id="260" r:id="rId6"/>
-    <p:sldId id="261" r:id="rId7"/>
+    <p:sldId id="265" r:id="rId3"/>
+    <p:sldId id="262" r:id="rId4"/>
+    <p:sldId id="257" r:id="rId5"/>
+    <p:sldId id="263" r:id="rId6"/>
+    <p:sldId id="260" r:id="rId7"/>
     <p:sldId id="264" r:id="rId8"/>
+    <p:sldId id="266" r:id="rId9"/>
   </p:sldIdLst>
   <p:sldSz cx="12192000" cy="6858000"/>
   <p:notesSz cx="6858000" cy="9144000"/>
@@ -2983,7 +2984,7 @@
         </p:nvSpPr>
         <p:spPr>
           <a:xfrm>
-            <a:off x="1804086" y="1977081"/>
+            <a:off x="7374569" y="2870460"/>
             <a:ext cx="3570208" cy="1015663"/>
           </a:xfrm>
           <a:prstGeom prst="rect">
@@ -3048,45 +3049,16 @@
           <a:chExt cx="0" cy="0"/>
         </a:xfrm>
       </p:grpSpPr>
-      <p:pic>
-        <p:nvPicPr>
-          <p:cNvPr id="3" name="Picture 2"/>
-          <p:cNvPicPr>
-            <a:picLocks noChangeAspect="1"/>
-          </p:cNvPicPr>
-          <p:nvPr/>
-        </p:nvPicPr>
-        <p:blipFill rotWithShape="1">
-          <a:blip r:embed="rId2">
-            <a:extLst>
-              <a:ext uri="{28A0092B-C50C-407E-A947-70E740481C1C}">
-                <a14:useLocalDpi xmlns:a14="http://schemas.microsoft.com/office/drawing/2010/main" val="0"/>
-              </a:ext>
-            </a:extLst>
-          </a:blip>
-          <a:srcRect l="4538" t="14350" b="55660"/>
-          <a:stretch/>
-        </p:blipFill>
-        <p:spPr>
-          <a:xfrm>
-            <a:off x="165100" y="4083219"/>
-            <a:ext cx="11440468" cy="2400300"/>
-          </a:xfrm>
-          <a:prstGeom prst="rect">
-            <a:avLst/>
-          </a:prstGeom>
-        </p:spPr>
-      </p:pic>
-      <p:sp>
-        <p:nvSpPr>
-          <p:cNvPr id="4" name="TextBox 3"/>
+      <p:sp>
+        <p:nvSpPr>
+          <p:cNvPr id="5" name="TextBox 4"/>
           <p:cNvSpPr txBox="1"/>
           <p:nvPr/>
         </p:nvSpPr>
         <p:spPr>
           <a:xfrm>
-            <a:off x="165100" y="0"/>
-            <a:ext cx="12026899" cy="707886"/>
+            <a:off x="543783" y="1672871"/>
+            <a:ext cx="2094314" cy="3108543"/>
           </a:xfrm>
           <a:prstGeom prst="rect">
             <a:avLst/>
@@ -3100,52 +3072,239 @@
           <a:lstStyle/>
           <a:p>
             <a:r>
-              <a:rPr lang="en-US" sz="4000" dirty="0" smtClean="0">
-                <a:latin typeface="Segoe UI" panose="020B0502040204020203" pitchFamily="34" charset="0"/>
-                <a:cs typeface="Segoe UI" panose="020B0502040204020203" pitchFamily="34" charset="0"/>
+              <a:rPr lang="en-US" sz="1400" dirty="0" smtClean="0">
+                <a:latin typeface="Segoe UI Light" panose="020B0502040204020203" pitchFamily="34" charset="0"/>
+                <a:cs typeface="Segoe UI Light" panose="020B0502040204020203" pitchFamily="34" charset="0"/>
               </a:rPr>
-              <a:t>The Problem: Repetitive tasks</a:t>
-            </a:r>
-            <a:endParaRPr lang="en-US" sz="4000" dirty="0">
-              <a:latin typeface="Segoe UI" panose="020B0502040204020203" pitchFamily="34" charset="0"/>
-              <a:cs typeface="Segoe UI" panose="020B0502040204020203" pitchFamily="34" charset="0"/>
+              <a:t>LELAND CURTIS</a:t>
+            </a:r>
+          </a:p>
+          <a:p>
+            <a:r>
+              <a:rPr lang="en-US" sz="1400" dirty="0" smtClean="0">
+                <a:latin typeface="Segoe UI Light" panose="020B0502040204020203" pitchFamily="34" charset="0"/>
+                <a:cs typeface="Segoe UI Light" panose="020B0502040204020203" pitchFamily="34" charset="0"/>
+              </a:rPr>
+              <a:t>SMITHGROUP JJR</a:t>
+            </a:r>
+          </a:p>
+          <a:p>
+            <a:endParaRPr lang="en-US" sz="1400" dirty="0" smtClean="0">
+              <a:latin typeface="Segoe UI Light" panose="020B0502040204020203" pitchFamily="34" charset="0"/>
+              <a:cs typeface="Segoe UI Light" panose="020B0502040204020203" pitchFamily="34" charset="0"/>
             </a:endParaRPr>
           </a:p>
-        </p:txBody>
-      </p:sp>
-      <p:pic>
-        <p:nvPicPr>
-          <p:cNvPr id="5" name="Picture 4"/>
-          <p:cNvPicPr>
-            <a:picLocks noChangeAspect="1"/>
-          </p:cNvPicPr>
+          <a:p>
+            <a:r>
+              <a:rPr lang="en-US" sz="1400" dirty="0" smtClean="0">
+                <a:latin typeface="Segoe UI Light" panose="020B0502040204020203" pitchFamily="34" charset="0"/>
+                <a:cs typeface="Segoe UI Light" panose="020B0502040204020203" pitchFamily="34" charset="0"/>
+              </a:rPr>
+              <a:t>HANSHEN SUN</a:t>
+            </a:r>
+          </a:p>
+          <a:p>
+            <a:r>
+              <a:rPr lang="en-US" sz="1400" dirty="0" smtClean="0">
+                <a:latin typeface="Segoe UI Light" panose="020B0502040204020203" pitchFamily="34" charset="0"/>
+                <a:cs typeface="Segoe UI Light" panose="020B0502040204020203" pitchFamily="34" charset="0"/>
+              </a:rPr>
+              <a:t>OFFICE</a:t>
+            </a:r>
+          </a:p>
+          <a:p>
+            <a:endParaRPr lang="en-US" sz="1400" dirty="0" smtClean="0">
+              <a:latin typeface="Segoe UI Light" panose="020B0502040204020203" pitchFamily="34" charset="0"/>
+              <a:cs typeface="Segoe UI Light" panose="020B0502040204020203" pitchFamily="34" charset="0"/>
+            </a:endParaRPr>
+          </a:p>
+          <a:p>
+            <a:r>
+              <a:rPr lang="en-US" sz="1400" dirty="0" smtClean="0">
+                <a:latin typeface="Segoe UI Light" panose="020B0502040204020203" pitchFamily="34" charset="0"/>
+                <a:cs typeface="Segoe UI Light" panose="020B0502040204020203" pitchFamily="34" charset="0"/>
+              </a:rPr>
+              <a:t>MICHEL KERO</a:t>
+            </a:r>
+          </a:p>
+          <a:p>
+            <a:r>
+              <a:rPr lang="en-US" sz="1400" dirty="0" smtClean="0">
+                <a:latin typeface="Segoe UI Light" panose="020B0502040204020203" pitchFamily="34" charset="0"/>
+                <a:cs typeface="Segoe UI Light" panose="020B0502040204020203" pitchFamily="34" charset="0"/>
+              </a:rPr>
+              <a:t>CORE STUIDO</a:t>
+            </a:r>
+          </a:p>
+          <a:p>
+            <a:endParaRPr lang="en-US" sz="1400" dirty="0" smtClean="0">
+              <a:latin typeface="Segoe UI Light" panose="020B0502040204020203" pitchFamily="34" charset="0"/>
+              <a:cs typeface="Segoe UI Light" panose="020B0502040204020203" pitchFamily="34" charset="0"/>
+            </a:endParaRPr>
+          </a:p>
+          <a:p>
+            <a:r>
+              <a:rPr lang="en-US" sz="1400" dirty="0" smtClean="0">
+                <a:latin typeface="Segoe UI Light" panose="020B0502040204020203" pitchFamily="34" charset="0"/>
+                <a:cs typeface="Segoe UI Light" panose="020B0502040204020203" pitchFamily="34" charset="0"/>
+              </a:rPr>
+              <a:t>FATHY GAD</a:t>
+            </a:r>
+          </a:p>
+          <a:p>
+            <a:r>
+              <a:rPr lang="en-US" sz="1400" dirty="0" smtClean="0">
+                <a:latin typeface="Segoe UI Light" panose="020B0502040204020203" pitchFamily="34" charset="0"/>
+                <a:cs typeface="Segoe UI Light" panose="020B0502040204020203" pitchFamily="34" charset="0"/>
+              </a:rPr>
+              <a:t>DAR GROUP</a:t>
+            </a:r>
+          </a:p>
+          <a:p>
+            <a:endParaRPr lang="en-US" sz="1400" dirty="0" smtClean="0">
+              <a:latin typeface="Segoe UI Light" panose="020B0502040204020203" pitchFamily="34" charset="0"/>
+              <a:cs typeface="Segoe UI Light" panose="020B0502040204020203" pitchFamily="34" charset="0"/>
+            </a:endParaRPr>
+          </a:p>
+          <a:p>
+            <a:r>
+              <a:rPr lang="en-US" sz="1400" dirty="0" smtClean="0">
+                <a:latin typeface="Segoe UI Light" panose="020B0502040204020203" pitchFamily="34" charset="0"/>
+                <a:cs typeface="Segoe UI Light" panose="020B0502040204020203" pitchFamily="34" charset="0"/>
+              </a:rPr>
+              <a:t>HIRAM RODRIGUEZ</a:t>
+            </a:r>
+          </a:p>
+          <a:p>
+            <a:r>
+              <a:rPr lang="en-US" sz="1400" dirty="0" smtClean="0">
+                <a:latin typeface="Segoe UI Light" panose="020B0502040204020203" pitchFamily="34" charset="0"/>
+                <a:cs typeface="Segoe UI Light" panose="020B0502040204020203" pitchFamily="34" charset="0"/>
+              </a:rPr>
+              <a:t>CORE STUDIO</a:t>
+            </a:r>
+            <a:endParaRPr lang="en-US" sz="1400" dirty="0">
+              <a:latin typeface="Segoe UI Light" panose="020B0502040204020203" pitchFamily="34" charset="0"/>
+              <a:cs typeface="Segoe UI Light" panose="020B0502040204020203" pitchFamily="34" charset="0"/>
+            </a:endParaRPr>
+          </a:p>
+        </p:txBody>
+      </p:sp>
+      <p:cxnSp>
+        <p:nvCxnSpPr>
+          <p:cNvPr id="3" name="Straight Connector 2"/>
+          <p:cNvCxnSpPr/>
           <p:nvPr/>
-        </p:nvPicPr>
-        <p:blipFill rotWithShape="1">
-          <a:blip r:embed="rId2">
-            <a:extLst>
-              <a:ext uri="{28A0092B-C50C-407E-A947-70E740481C1C}">
-                <a14:useLocalDpi xmlns:a14="http://schemas.microsoft.com/office/drawing/2010/main" val="0"/>
-              </a:ext>
-            </a:extLst>
-          </a:blip>
-          <a:srcRect l="58565" t="53860" b="3967"/>
-          <a:stretch/>
-        </p:blipFill>
-        <p:spPr>
-          <a:xfrm>
-            <a:off x="165100" y="707886"/>
-            <a:ext cx="4965699" cy="3375333"/>
+        </p:nvCxnSpPr>
+        <p:spPr>
+          <a:xfrm>
+            <a:off x="0" y="6474372"/>
+            <a:ext cx="12192000" cy="0"/>
+          </a:xfrm>
+          <a:prstGeom prst="line">
+            <a:avLst/>
+          </a:prstGeom>
+          <a:ln>
+            <a:solidFill>
+              <a:schemeClr val="tx1"/>
+            </a:solidFill>
+          </a:ln>
+        </p:spPr>
+        <p:style>
+          <a:lnRef idx="1">
+            <a:schemeClr val="accent1"/>
+          </a:lnRef>
+          <a:fillRef idx="0">
+            <a:schemeClr val="accent1"/>
+          </a:fillRef>
+          <a:effectRef idx="0">
+            <a:schemeClr val="accent1"/>
+          </a:effectRef>
+          <a:fontRef idx="minor">
+            <a:schemeClr val="tx1"/>
+          </a:fontRef>
+        </p:style>
+      </p:cxnSp>
+      <p:sp>
+        <p:nvSpPr>
+          <p:cNvPr id="6" name="TextBox 5"/>
+          <p:cNvSpPr txBox="1"/>
+          <p:nvPr/>
+        </p:nvSpPr>
+        <p:spPr>
+          <a:xfrm>
+            <a:off x="86239" y="6554350"/>
+            <a:ext cx="7234810" cy="261610"/>
           </a:xfrm>
           <a:prstGeom prst="rect">
             <a:avLst/>
           </a:prstGeom>
-        </p:spPr>
-      </p:pic>
+          <a:noFill/>
+        </p:spPr>
+        <p:txBody>
+          <a:bodyPr wrap="square" rtlCol="0">
+            <a:spAutoFit/>
+          </a:bodyPr>
+          <a:lstStyle/>
+          <a:p>
+            <a:r>
+              <a:rPr lang="en-US" sz="1050" dirty="0" smtClean="0">
+                <a:latin typeface="Segoe UI Light" panose="020B0502040204020203" pitchFamily="34" charset="0"/>
+                <a:cs typeface="Segoe UI Light" panose="020B0502040204020203" pitchFamily="34" charset="0"/>
+              </a:rPr>
+              <a:t>REVILATIONS || AECHACKATHON 2017</a:t>
+            </a:r>
+            <a:endParaRPr lang="en-US" sz="1050" dirty="0">
+              <a:latin typeface="Segoe UI Light" panose="020B0502040204020203" pitchFamily="34" charset="0"/>
+              <a:cs typeface="Segoe UI Light" panose="020B0502040204020203" pitchFamily="34" charset="0"/>
+            </a:endParaRPr>
+          </a:p>
+        </p:txBody>
+      </p:sp>
+      <p:sp>
+        <p:nvSpPr>
+          <p:cNvPr id="7" name="Rectangle 6"/>
+          <p:cNvSpPr/>
+          <p:nvPr/>
+        </p:nvSpPr>
+        <p:spPr>
+          <a:xfrm>
+            <a:off x="3153103" y="1240221"/>
+            <a:ext cx="8723587" cy="4624551"/>
+          </a:xfrm>
+          <a:prstGeom prst="rect">
+            <a:avLst/>
+          </a:prstGeom>
+        </p:spPr>
+        <p:style>
+          <a:lnRef idx="2">
+            <a:schemeClr val="accent1">
+              <a:shade val="50000"/>
+            </a:schemeClr>
+          </a:lnRef>
+          <a:fillRef idx="1">
+            <a:schemeClr val="accent1"/>
+          </a:fillRef>
+          <a:effectRef idx="0">
+            <a:schemeClr val="accent1"/>
+          </a:effectRef>
+          <a:fontRef idx="minor">
+            <a:schemeClr val="lt1"/>
+          </a:fontRef>
+        </p:style>
+        <p:txBody>
+          <a:bodyPr rtlCol="0" anchor="ctr"/>
+          <a:lstStyle/>
+          <a:p>
+            <a:pPr algn="ctr"/>
+            <a:endParaRPr lang="en-US"/>
+          </a:p>
+        </p:txBody>
+      </p:sp>
     </p:spTree>
     <p:extLst>
       <p:ext uri="{BB962C8B-B14F-4D97-AF65-F5344CB8AC3E}">
-        <p14:creationId xmlns:p14="http://schemas.microsoft.com/office/powerpoint/2010/main" val="3730319518"/>
+        <p14:creationId xmlns:p14="http://schemas.microsoft.com/office/powerpoint/2010/main" val="3825822281"/>
       </p:ext>
     </p:extLst>
   </p:cSld>
@@ -3181,73 +3340,43 @@
       </p:grpSpPr>
       <p:pic>
         <p:nvPicPr>
-          <p:cNvPr id="7" name="Picture 6"/>
+          <p:cNvPr id="3" name="Picture 2"/>
           <p:cNvPicPr>
             <a:picLocks noChangeAspect="1"/>
           </p:cNvPicPr>
           <p:nvPr/>
         </p:nvPicPr>
         <p:blipFill rotWithShape="1">
-          <a:blip r:embed="rId2" cstate="print">
+          <a:blip r:embed="rId2">
             <a:extLst>
               <a:ext uri="{28A0092B-C50C-407E-A947-70E740481C1C}">
                 <a14:useLocalDpi xmlns:a14="http://schemas.microsoft.com/office/drawing/2010/main" val="0"/>
               </a:ext>
             </a:extLst>
           </a:blip>
-          <a:srcRect l="19" t="49711" r="29170" b="3643"/>
+          <a:srcRect l="4538" t="14350" b="55660"/>
           <a:stretch/>
         </p:blipFill>
         <p:spPr>
           <a:xfrm>
-            <a:off x="165100" y="3251200"/>
-            <a:ext cx="11826875" cy="3416300"/>
+            <a:off x="562104" y="3605841"/>
+            <a:ext cx="10996427" cy="2307137"/>
           </a:xfrm>
           <a:prstGeom prst="rect">
             <a:avLst/>
           </a:prstGeom>
         </p:spPr>
       </p:pic>
-      <p:pic>
-        <p:nvPicPr>
-          <p:cNvPr id="4" name="Picture 3"/>
-          <p:cNvPicPr>
-            <a:picLocks noChangeAspect="1"/>
-          </p:cNvPicPr>
-          <p:nvPr/>
-        </p:nvPicPr>
-        <p:blipFill>
-          <a:blip r:embed="rId3" cstate="print">
-            <a:extLst>
-              <a:ext uri="{28A0092B-C50C-407E-A947-70E740481C1C}">
-                <a14:useLocalDpi xmlns:a14="http://schemas.microsoft.com/office/drawing/2010/main" val="0"/>
-              </a:ext>
-            </a:extLst>
-          </a:blip>
-          <a:stretch>
-            <a:fillRect/>
-          </a:stretch>
-        </p:blipFill>
-        <p:spPr>
-          <a:xfrm>
-            <a:off x="6311900" y="177800"/>
-            <a:ext cx="5679347" cy="2848573"/>
-          </a:xfrm>
-          <a:prstGeom prst="rect">
-            <a:avLst/>
-          </a:prstGeom>
-        </p:spPr>
-      </p:pic>
-      <p:sp>
-        <p:nvSpPr>
-          <p:cNvPr id="6" name="TextBox 5"/>
+      <p:sp>
+        <p:nvSpPr>
+          <p:cNvPr id="4" name="TextBox 3"/>
           <p:cNvSpPr txBox="1"/>
           <p:nvPr/>
         </p:nvSpPr>
         <p:spPr>
           <a:xfrm>
-            <a:off x="320675" y="889068"/>
-            <a:ext cx="5991225" cy="1569660"/>
+            <a:off x="165100" y="107577"/>
+            <a:ext cx="12026899" cy="523220"/>
           </a:xfrm>
           <a:prstGeom prst="rect">
             <a:avLst/>
@@ -3255,73 +3384,202 @@
           <a:noFill/>
         </p:spPr>
         <p:txBody>
-          <a:bodyPr wrap="square" rtlCol="0" anchor="ctr">
+          <a:bodyPr wrap="square" rtlCol="0">
             <a:spAutoFit/>
           </a:bodyPr>
           <a:lstStyle/>
           <a:p>
             <a:r>
-              <a:rPr lang="en-US" sz="3200" dirty="0" smtClean="0">
+              <a:rPr lang="en-US" sz="2800" dirty="0" smtClean="0">
+                <a:latin typeface="Segoe UI" panose="020B0502040204020203" pitchFamily="34" charset="0"/>
+                <a:cs typeface="Segoe UI" panose="020B0502040204020203" pitchFamily="34" charset="0"/>
+              </a:rPr>
+              <a:t>The Problem: Repetitive tasks</a:t>
+            </a:r>
+            <a:endParaRPr lang="en-US" sz="2800" dirty="0">
+              <a:latin typeface="Segoe UI" panose="020B0502040204020203" pitchFamily="34" charset="0"/>
+              <a:cs typeface="Segoe UI" panose="020B0502040204020203" pitchFamily="34" charset="0"/>
+            </a:endParaRPr>
+          </a:p>
+        </p:txBody>
+      </p:sp>
+      <p:cxnSp>
+        <p:nvCxnSpPr>
+          <p:cNvPr id="6" name="Straight Connector 5"/>
+          <p:cNvCxnSpPr/>
+          <p:nvPr/>
+        </p:nvCxnSpPr>
+        <p:spPr>
+          <a:xfrm>
+            <a:off x="0" y="6474372"/>
+            <a:ext cx="12192000" cy="0"/>
+          </a:xfrm>
+          <a:prstGeom prst="line">
+            <a:avLst/>
+          </a:prstGeom>
+          <a:ln>
+            <a:solidFill>
+              <a:schemeClr val="tx1"/>
+            </a:solidFill>
+          </a:ln>
+        </p:spPr>
+        <p:style>
+          <a:lnRef idx="1">
+            <a:schemeClr val="accent1"/>
+          </a:lnRef>
+          <a:fillRef idx="0">
+            <a:schemeClr val="accent1"/>
+          </a:fillRef>
+          <a:effectRef idx="0">
+            <a:schemeClr val="accent1"/>
+          </a:effectRef>
+          <a:fontRef idx="minor">
+            <a:schemeClr val="tx1"/>
+          </a:fontRef>
+        </p:style>
+      </p:cxnSp>
+      <p:sp>
+        <p:nvSpPr>
+          <p:cNvPr id="7" name="TextBox 6"/>
+          <p:cNvSpPr txBox="1"/>
+          <p:nvPr/>
+        </p:nvSpPr>
+        <p:spPr>
+          <a:xfrm>
+            <a:off x="86239" y="6554350"/>
+            <a:ext cx="7234810" cy="261610"/>
+          </a:xfrm>
+          <a:prstGeom prst="rect">
+            <a:avLst/>
+          </a:prstGeom>
+          <a:noFill/>
+        </p:spPr>
+        <p:txBody>
+          <a:bodyPr wrap="square" rtlCol="0">
+            <a:spAutoFit/>
+          </a:bodyPr>
+          <a:lstStyle/>
+          <a:p>
+            <a:r>
+              <a:rPr lang="en-US" sz="1050" b="1" dirty="0" smtClean="0">
                 <a:latin typeface="Segoe UI Light" panose="020B0502040204020203" pitchFamily="34" charset="0"/>
                 <a:cs typeface="Segoe UI Light" panose="020B0502040204020203" pitchFamily="34" charset="0"/>
               </a:rPr>
-              <a:t>Set child-parent relationships</a:t>
-            </a:r>
-          </a:p>
-          <a:p>
-            <a:endParaRPr lang="en-US" sz="3200" dirty="0" smtClean="0">
+              <a:t>REVILATIONS || AEC HACKATHON 2017</a:t>
+            </a:r>
+            <a:endParaRPr lang="en-US" sz="1050" b="1" dirty="0">
               <a:latin typeface="Segoe UI Light" panose="020B0502040204020203" pitchFamily="34" charset="0"/>
               <a:cs typeface="Segoe UI Light" panose="020B0502040204020203" pitchFamily="34" charset="0"/>
             </a:endParaRPr>
           </a:p>
-          <a:p>
-            <a:r>
-              <a:rPr lang="en-US" sz="3200" dirty="0" smtClean="0">
-                <a:latin typeface="Segoe UI Light" panose="020B0502040204020203" pitchFamily="34" charset="0"/>
-                <a:cs typeface="Segoe UI Light" panose="020B0502040204020203" pitchFamily="34" charset="0"/>
-              </a:rPr>
-              <a:t>Automate placement + updating</a:t>
-            </a:r>
-            <a:endParaRPr lang="en-US" sz="3200" dirty="0">
-              <a:latin typeface="Segoe UI Light" panose="020B0502040204020203" pitchFamily="34" charset="0"/>
-              <a:cs typeface="Segoe UI Light" panose="020B0502040204020203" pitchFamily="34" charset="0"/>
-            </a:endParaRPr>
-          </a:p>
-        </p:txBody>
-      </p:sp>
-      <p:pic>
-        <p:nvPicPr>
-          <p:cNvPr id="8" name="Picture 7"/>
-          <p:cNvPicPr>
-            <a:picLocks noChangeAspect="1"/>
-          </p:cNvPicPr>
+        </p:txBody>
+      </p:sp>
+      <p:grpSp>
+        <p:nvGrpSpPr>
+          <p:cNvPr id="2" name="Group 1"/>
+          <p:cNvGrpSpPr/>
           <p:nvPr/>
-        </p:nvPicPr>
-        <p:blipFill rotWithShape="1">
-          <a:blip r:embed="rId4" cstate="print">
-            <a:extLst>
-              <a:ext uri="{28A0092B-C50C-407E-A947-70E740481C1C}">
-                <a14:useLocalDpi xmlns:a14="http://schemas.microsoft.com/office/drawing/2010/main" val="0"/>
-              </a:ext>
-            </a:extLst>
-          </a:blip>
-          <a:srcRect r="35065"/>
-          <a:stretch/>
-        </p:blipFill>
-        <p:spPr>
-          <a:xfrm>
-            <a:off x="165100" y="3251200"/>
-            <a:ext cx="11823700" cy="3416300"/>
-          </a:xfrm>
-          <a:prstGeom prst="rect">
-            <a:avLst/>
-          </a:prstGeom>
-        </p:spPr>
-      </p:pic>
+        </p:nvGrpSpPr>
+        <p:grpSpPr>
+          <a:xfrm>
+            <a:off x="596025" y="1083441"/>
+            <a:ext cx="10776168" cy="2423109"/>
+            <a:chOff x="259694" y="931815"/>
+            <a:chExt cx="11672611" cy="2624681"/>
+          </a:xfrm>
+        </p:grpSpPr>
+        <p:pic>
+          <p:nvPicPr>
+            <p:cNvPr id="5" name="Picture 4"/>
+            <p:cNvPicPr>
+              <a:picLocks noChangeAspect="1"/>
+            </p:cNvPicPr>
+            <p:nvPr/>
+          </p:nvPicPr>
+          <p:blipFill rotWithShape="1">
+            <a:blip r:embed="rId2">
+              <a:extLst>
+                <a:ext uri="{28A0092B-C50C-407E-A947-70E740481C1C}">
+                  <a14:useLocalDpi xmlns:a14="http://schemas.microsoft.com/office/drawing/2010/main" val="0"/>
+                </a:ext>
+              </a:extLst>
+            </a:blip>
+            <a:srcRect l="58565" t="53860" b="3967"/>
+            <a:stretch/>
+          </p:blipFill>
+          <p:spPr>
+            <a:xfrm>
+              <a:off x="259694" y="939638"/>
+              <a:ext cx="3849851" cy="2616858"/>
+            </a:xfrm>
+            <a:prstGeom prst="rect">
+              <a:avLst/>
+            </a:prstGeom>
+          </p:spPr>
+        </p:pic>
+        <p:pic>
+          <p:nvPicPr>
+            <p:cNvPr id="8" name="Picture 7"/>
+            <p:cNvPicPr>
+              <a:picLocks noChangeAspect="1"/>
+            </p:cNvPicPr>
+            <p:nvPr/>
+          </p:nvPicPr>
+          <p:blipFill rotWithShape="1">
+            <a:blip r:embed="rId2">
+              <a:extLst>
+                <a:ext uri="{28A0092B-C50C-407E-A947-70E740481C1C}">
+                  <a14:useLocalDpi xmlns:a14="http://schemas.microsoft.com/office/drawing/2010/main" val="0"/>
+                </a:ext>
+              </a:extLst>
+            </a:blip>
+            <a:srcRect l="58565" t="53860" b="3967"/>
+            <a:stretch/>
+          </p:blipFill>
+          <p:spPr>
+            <a:xfrm>
+              <a:off x="4253623" y="939638"/>
+              <a:ext cx="3849851" cy="2616858"/>
+            </a:xfrm>
+            <a:prstGeom prst="rect">
+              <a:avLst/>
+            </a:prstGeom>
+          </p:spPr>
+        </p:pic>
+        <p:pic>
+          <p:nvPicPr>
+            <p:cNvPr id="9" name="Picture 8"/>
+            <p:cNvPicPr>
+              <a:picLocks noChangeAspect="1"/>
+            </p:cNvPicPr>
+            <p:nvPr/>
+          </p:nvPicPr>
+          <p:blipFill rotWithShape="1">
+            <a:blip r:embed="rId2">
+              <a:extLst>
+                <a:ext uri="{28A0092B-C50C-407E-A947-70E740481C1C}">
+                  <a14:useLocalDpi xmlns:a14="http://schemas.microsoft.com/office/drawing/2010/main" val="0"/>
+                </a:ext>
+              </a:extLst>
+            </a:blip>
+            <a:srcRect l="58565" t="53860" b="3967"/>
+            <a:stretch/>
+          </p:blipFill>
+          <p:spPr>
+            <a:xfrm>
+              <a:off x="8082454" y="931815"/>
+              <a:ext cx="3849851" cy="2616858"/>
+            </a:xfrm>
+            <a:prstGeom prst="rect">
+              <a:avLst/>
+            </a:prstGeom>
+          </p:spPr>
+        </p:pic>
+      </p:grpSp>
     </p:spTree>
     <p:extLst>
       <p:ext uri="{BB962C8B-B14F-4D97-AF65-F5344CB8AC3E}">
-        <p14:creationId xmlns:p14="http://schemas.microsoft.com/office/powerpoint/2010/main" val="2611015834"/>
+        <p14:creationId xmlns:p14="http://schemas.microsoft.com/office/powerpoint/2010/main" val="3730319518"/>
       </p:ext>
     </p:extLst>
   </p:cSld>
@@ -3357,13 +3615,13 @@
       </p:grpSpPr>
       <p:pic>
         <p:nvPicPr>
-          <p:cNvPr id="2" name="Picture 1"/>
+          <p:cNvPr id="4" name="Picture 3"/>
           <p:cNvPicPr>
             <a:picLocks noChangeAspect="1"/>
           </p:cNvPicPr>
           <p:nvPr/>
         </p:nvPicPr>
-        <p:blipFill rotWithShape="1">
+        <p:blipFill>
           <a:blip r:embed="rId2" cstate="print">
             <a:extLst>
               <a:ext uri="{28A0092B-C50C-407E-A947-70E740481C1C}">
@@ -3371,23 +3629,175 @@
               </a:ext>
             </a:extLst>
           </a:blip>
-          <a:srcRect l="6023" t="390" r="7520"/>
-          <a:stretch/>
+          <a:stretch>
+            <a:fillRect/>
+          </a:stretch>
         </p:blipFill>
         <p:spPr>
           <a:xfrm>
-            <a:off x="165099" y="177800"/>
-            <a:ext cx="11826875" cy="6489700"/>
+            <a:off x="6311900" y="177800"/>
+            <a:ext cx="5679347" cy="2848573"/>
           </a:xfrm>
           <a:prstGeom prst="rect">
             <a:avLst/>
           </a:prstGeom>
         </p:spPr>
       </p:pic>
+      <p:sp>
+        <p:nvSpPr>
+          <p:cNvPr id="6" name="TextBox 5"/>
+          <p:cNvSpPr txBox="1"/>
+          <p:nvPr/>
+        </p:nvSpPr>
+        <p:spPr>
+          <a:xfrm>
+            <a:off x="165100" y="932099"/>
+            <a:ext cx="5991225" cy="1569660"/>
+          </a:xfrm>
+          <a:prstGeom prst="rect">
+            <a:avLst/>
+          </a:prstGeom>
+          <a:noFill/>
+        </p:spPr>
+        <p:txBody>
+          <a:bodyPr wrap="square" rtlCol="0" anchor="ctr">
+            <a:spAutoFit/>
+          </a:bodyPr>
+          <a:lstStyle/>
+          <a:p>
+            <a:r>
+              <a:rPr lang="en-US" sz="3200" dirty="0" smtClean="0">
+                <a:latin typeface="Segoe UI Light" panose="020B0502040204020203" pitchFamily="34" charset="0"/>
+                <a:cs typeface="Segoe UI Light" panose="020B0502040204020203" pitchFamily="34" charset="0"/>
+              </a:rPr>
+              <a:t>Set child-parent relationships</a:t>
+            </a:r>
+          </a:p>
+          <a:p>
+            <a:endParaRPr lang="en-US" sz="3200" dirty="0" smtClean="0">
+              <a:latin typeface="Segoe UI Light" panose="020B0502040204020203" pitchFamily="34" charset="0"/>
+              <a:cs typeface="Segoe UI Light" panose="020B0502040204020203" pitchFamily="34" charset="0"/>
+            </a:endParaRPr>
+          </a:p>
+          <a:p>
+            <a:r>
+              <a:rPr lang="en-US" sz="3200" dirty="0" smtClean="0">
+                <a:latin typeface="Segoe UI Light" panose="020B0502040204020203" pitchFamily="34" charset="0"/>
+                <a:cs typeface="Segoe UI Light" panose="020B0502040204020203" pitchFamily="34" charset="0"/>
+              </a:rPr>
+              <a:t>Automate placement + updating</a:t>
+            </a:r>
+            <a:endParaRPr lang="en-US" sz="3200" dirty="0">
+              <a:latin typeface="Segoe UI Light" panose="020B0502040204020203" pitchFamily="34" charset="0"/>
+              <a:cs typeface="Segoe UI Light" panose="020B0502040204020203" pitchFamily="34" charset="0"/>
+            </a:endParaRPr>
+          </a:p>
+        </p:txBody>
+      </p:sp>
+      <p:pic>
+        <p:nvPicPr>
+          <p:cNvPr id="8" name="Picture 7"/>
+          <p:cNvPicPr>
+            <a:picLocks noChangeAspect="1"/>
+          </p:cNvPicPr>
+          <p:nvPr/>
+        </p:nvPicPr>
+        <p:blipFill rotWithShape="1">
+          <a:blip r:embed="rId3" cstate="print">
+            <a:extLst>
+              <a:ext uri="{28A0092B-C50C-407E-A947-70E740481C1C}">
+                <a14:useLocalDpi xmlns:a14="http://schemas.microsoft.com/office/drawing/2010/main" val="0"/>
+              </a:ext>
+            </a:extLst>
+          </a:blip>
+          <a:srcRect r="35065"/>
+          <a:stretch/>
+        </p:blipFill>
+        <p:spPr>
+          <a:xfrm>
+            <a:off x="165100" y="2978095"/>
+            <a:ext cx="11823700" cy="3416300"/>
+          </a:xfrm>
+          <a:prstGeom prst="rect">
+            <a:avLst/>
+          </a:prstGeom>
+        </p:spPr>
+      </p:pic>
+      <p:cxnSp>
+        <p:nvCxnSpPr>
+          <p:cNvPr id="9" name="Straight Connector 8"/>
+          <p:cNvCxnSpPr/>
+          <p:nvPr/>
+        </p:nvCxnSpPr>
+        <p:spPr>
+          <a:xfrm>
+            <a:off x="0" y="6474372"/>
+            <a:ext cx="12192000" cy="0"/>
+          </a:xfrm>
+          <a:prstGeom prst="line">
+            <a:avLst/>
+          </a:prstGeom>
+          <a:ln>
+            <a:solidFill>
+              <a:schemeClr val="tx1"/>
+            </a:solidFill>
+          </a:ln>
+        </p:spPr>
+        <p:style>
+          <a:lnRef idx="1">
+            <a:schemeClr val="accent1"/>
+          </a:lnRef>
+          <a:fillRef idx="0">
+            <a:schemeClr val="accent1"/>
+          </a:fillRef>
+          <a:effectRef idx="0">
+            <a:schemeClr val="accent1"/>
+          </a:effectRef>
+          <a:fontRef idx="minor">
+            <a:schemeClr val="tx1"/>
+          </a:fontRef>
+        </p:style>
+      </p:cxnSp>
+      <p:sp>
+        <p:nvSpPr>
+          <p:cNvPr id="10" name="TextBox 9"/>
+          <p:cNvSpPr txBox="1"/>
+          <p:nvPr/>
+        </p:nvSpPr>
+        <p:spPr>
+          <a:xfrm>
+            <a:off x="86239" y="6554350"/>
+            <a:ext cx="7234810" cy="261610"/>
+          </a:xfrm>
+          <a:prstGeom prst="rect">
+            <a:avLst/>
+          </a:prstGeom>
+          <a:noFill/>
+        </p:spPr>
+        <p:txBody>
+          <a:bodyPr wrap="square" rtlCol="0">
+            <a:spAutoFit/>
+          </a:bodyPr>
+          <a:lstStyle/>
+          <a:p>
+            <a:r>
+              <a:rPr lang="en-US" sz="1050" b="1" dirty="0" smtClean="0">
+                <a:latin typeface="Segoe UI Light" panose="020B0502040204020203" pitchFamily="34" charset="0"/>
+                <a:cs typeface="Segoe UI Light" panose="020B0502040204020203" pitchFamily="34" charset="0"/>
+              </a:rPr>
+              <a:t>REVILATIONS || AEC HACKATHON 2017</a:t>
+            </a:r>
+            <a:endParaRPr lang="en-US" sz="1050" b="1" dirty="0">
+              <a:latin typeface="Segoe UI Light" panose="020B0502040204020203" pitchFamily="34" charset="0"/>
+              <a:cs typeface="Segoe UI Light" panose="020B0502040204020203" pitchFamily="34" charset="0"/>
+            </a:endParaRPr>
+          </a:p>
+        </p:txBody>
+      </p:sp>
     </p:spTree>
     <p:extLst>
       <p:ext uri="{BB962C8B-B14F-4D97-AF65-F5344CB8AC3E}">
-        <p14:creationId xmlns:p14="http://schemas.microsoft.com/office/powerpoint/2010/main" val="2674240689"/>
+        <p14:creationId xmlns:p14="http://schemas.microsoft.com/office/powerpoint/2010/main" val="2611015834"/>
       </p:ext>
     </p:extLst>
   </p:cSld>
@@ -3421,42 +3831,6 @@
           <a:chExt cx="0" cy="0"/>
         </a:xfrm>
       </p:grpSpPr>
-      <p:sp>
-        <p:nvSpPr>
-          <p:cNvPr id="4" name="TextBox 3"/>
-          <p:cNvSpPr txBox="1"/>
-          <p:nvPr/>
-        </p:nvSpPr>
-        <p:spPr>
-          <a:xfrm>
-            <a:off x="165100" y="0"/>
-            <a:ext cx="12192000" cy="707886"/>
-          </a:xfrm>
-          <a:prstGeom prst="rect">
-            <a:avLst/>
-          </a:prstGeom>
-          <a:noFill/>
-        </p:spPr>
-        <p:txBody>
-          <a:bodyPr wrap="square" rtlCol="0">
-            <a:spAutoFit/>
-          </a:bodyPr>
-          <a:lstStyle/>
-          <a:p>
-            <a:r>
-              <a:rPr lang="en-US" sz="4000" dirty="0" smtClean="0">
-                <a:latin typeface="Segoe UI" panose="020B0502040204020203" pitchFamily="34" charset="0"/>
-                <a:cs typeface="Segoe UI" panose="020B0502040204020203" pitchFamily="34" charset="0"/>
-              </a:rPr>
-              <a:t>Enables smart guide plates</a:t>
-            </a:r>
-            <a:endParaRPr lang="en-US" sz="4000" dirty="0">
-              <a:latin typeface="Segoe UI" panose="020B0502040204020203" pitchFamily="34" charset="0"/>
-              <a:cs typeface="Segoe UI" panose="020B0502040204020203" pitchFamily="34" charset="0"/>
-            </a:endParaRPr>
-          </a:p>
-        </p:txBody>
-      </p:sp>
       <p:pic>
         <p:nvPicPr>
           <p:cNvPr id="2" name="Picture 1"/>
@@ -3465,26 +3839,102 @@
           </p:cNvPicPr>
           <p:nvPr/>
         </p:nvPicPr>
-        <p:blipFill>
-          <a:blip r:embed="rId2"/>
-          <a:stretch>
-            <a:fillRect/>
-          </a:stretch>
+        <p:blipFill rotWithShape="1">
+          <a:blip r:embed="rId2" cstate="print">
+            <a:extLst>
+              <a:ext uri="{28A0092B-C50C-407E-A947-70E740481C1C}">
+                <a14:useLocalDpi xmlns:a14="http://schemas.microsoft.com/office/drawing/2010/main" val="0"/>
+              </a:ext>
+            </a:extLst>
+          </a:blip>
+          <a:srcRect l="6023" t="390" r="7520"/>
+          <a:stretch/>
         </p:blipFill>
         <p:spPr>
           <a:xfrm>
-            <a:off x="0" y="1186631"/>
-            <a:ext cx="12192000" cy="5221337"/>
+            <a:off x="861848" y="858842"/>
+            <a:ext cx="10068581" cy="5524880"/>
           </a:xfrm>
           <a:prstGeom prst="rect">
             <a:avLst/>
           </a:prstGeom>
         </p:spPr>
       </p:pic>
+      <p:cxnSp>
+        <p:nvCxnSpPr>
+          <p:cNvPr id="3" name="Straight Connector 2"/>
+          <p:cNvCxnSpPr/>
+          <p:nvPr/>
+        </p:nvCxnSpPr>
+        <p:spPr>
+          <a:xfrm>
+            <a:off x="0" y="6474372"/>
+            <a:ext cx="12192000" cy="0"/>
+          </a:xfrm>
+          <a:prstGeom prst="line">
+            <a:avLst/>
+          </a:prstGeom>
+          <a:ln>
+            <a:solidFill>
+              <a:schemeClr val="tx1"/>
+            </a:solidFill>
+          </a:ln>
+        </p:spPr>
+        <p:style>
+          <a:lnRef idx="1">
+            <a:schemeClr val="accent1"/>
+          </a:lnRef>
+          <a:fillRef idx="0">
+            <a:schemeClr val="accent1"/>
+          </a:fillRef>
+          <a:effectRef idx="0">
+            <a:schemeClr val="accent1"/>
+          </a:effectRef>
+          <a:fontRef idx="minor">
+            <a:schemeClr val="tx1"/>
+          </a:fontRef>
+        </p:style>
+      </p:cxnSp>
+      <p:sp>
+        <p:nvSpPr>
+          <p:cNvPr id="4" name="TextBox 3"/>
+          <p:cNvSpPr txBox="1"/>
+          <p:nvPr/>
+        </p:nvSpPr>
+        <p:spPr>
+          <a:xfrm>
+            <a:off x="86239" y="6554350"/>
+            <a:ext cx="7234810" cy="261610"/>
+          </a:xfrm>
+          <a:prstGeom prst="rect">
+            <a:avLst/>
+          </a:prstGeom>
+          <a:noFill/>
+        </p:spPr>
+        <p:txBody>
+          <a:bodyPr wrap="square" rtlCol="0">
+            <a:spAutoFit/>
+          </a:bodyPr>
+          <a:lstStyle/>
+          <a:p>
+            <a:r>
+              <a:rPr lang="en-US" sz="1050" b="1" dirty="0" smtClean="0">
+                <a:latin typeface="Segoe UI Light" panose="020B0502040204020203" pitchFamily="34" charset="0"/>
+                <a:cs typeface="Segoe UI Light" panose="020B0502040204020203" pitchFamily="34" charset="0"/>
+              </a:rPr>
+              <a:t>REVILATIONS || AEC HACKATHON 2017</a:t>
+            </a:r>
+            <a:endParaRPr lang="en-US" sz="1050" b="1" dirty="0">
+              <a:latin typeface="Segoe UI Light" panose="020B0502040204020203" pitchFamily="34" charset="0"/>
+              <a:cs typeface="Segoe UI Light" panose="020B0502040204020203" pitchFamily="34" charset="0"/>
+            </a:endParaRPr>
+          </a:p>
+        </p:txBody>
+      </p:sp>
     </p:spTree>
     <p:extLst>
       <p:ext uri="{BB962C8B-B14F-4D97-AF65-F5344CB8AC3E}">
-        <p14:creationId xmlns:p14="http://schemas.microsoft.com/office/powerpoint/2010/main" val="123461679"/>
+        <p14:creationId xmlns:p14="http://schemas.microsoft.com/office/powerpoint/2010/main" val="2674240689"/>
       </p:ext>
     </p:extLst>
   </p:cSld>
@@ -3520,28 +3970,22 @@
       </p:grpSpPr>
       <p:pic>
         <p:nvPicPr>
-          <p:cNvPr id="7" name="Picture 6"/>
+          <p:cNvPr id="2" name="Picture 1"/>
           <p:cNvPicPr>
             <a:picLocks noChangeAspect="1"/>
           </p:cNvPicPr>
           <p:nvPr/>
         </p:nvPicPr>
         <p:blipFill>
-          <a:blip r:embed="rId2">
-            <a:extLst>
-              <a:ext uri="{28A0092B-C50C-407E-A947-70E740481C1C}">
-                <a14:useLocalDpi xmlns:a14="http://schemas.microsoft.com/office/drawing/2010/main" val="0"/>
-              </a:ext>
-            </a:extLst>
-          </a:blip>
+          <a:blip r:embed="rId2"/>
           <a:stretch>
             <a:fillRect/>
           </a:stretch>
         </p:blipFill>
         <p:spPr>
           <a:xfrm>
-            <a:off x="165100" y="908050"/>
-            <a:ext cx="6819900" cy="5771985"/>
+            <a:off x="735722" y="1217656"/>
+            <a:ext cx="10573407" cy="4528160"/>
           </a:xfrm>
           <a:prstGeom prst="rect">
             <a:avLst/>
@@ -3550,14 +3994,14 @@
       </p:pic>
       <p:sp>
         <p:nvSpPr>
-          <p:cNvPr id="6" name="TextBox 5"/>
+          <p:cNvPr id="5" name="TextBox 4"/>
           <p:cNvSpPr txBox="1"/>
           <p:nvPr/>
         </p:nvSpPr>
         <p:spPr>
           <a:xfrm>
-            <a:off x="165100" y="0"/>
-            <a:ext cx="12026899" cy="707886"/>
+            <a:off x="165100" y="307273"/>
+            <a:ext cx="12026899" cy="523220"/>
           </a:xfrm>
           <a:prstGeom prst="rect">
             <a:avLst/>
@@ -3571,23 +4015,278 @@
           <a:lstStyle/>
           <a:p>
             <a:r>
-              <a:rPr lang="en-US" sz="4000" dirty="0" smtClean="0">
+              <a:rPr lang="en-US" sz="2800" dirty="0">
                 <a:latin typeface="Segoe UI" panose="020B0502040204020203" pitchFamily="34" charset="0"/>
                 <a:cs typeface="Segoe UI" panose="020B0502040204020203" pitchFamily="34" charset="0"/>
               </a:rPr>
-              <a:t>Use Cases: Any large hospital, lab or office</a:t>
-            </a:r>
-            <a:endParaRPr lang="en-US" sz="4000" dirty="0">
+              <a:t>Enables smart guide plates</a:t>
+            </a:r>
+            <a:endParaRPr lang="en-US" sz="2800" dirty="0">
               <a:latin typeface="Segoe UI" panose="020B0502040204020203" pitchFamily="34" charset="0"/>
               <a:cs typeface="Segoe UI" panose="020B0502040204020203" pitchFamily="34" charset="0"/>
             </a:endParaRPr>
           </a:p>
         </p:txBody>
       </p:sp>
+      <p:cxnSp>
+        <p:nvCxnSpPr>
+          <p:cNvPr id="7" name="Straight Connector 6"/>
+          <p:cNvCxnSpPr/>
+          <p:nvPr/>
+        </p:nvCxnSpPr>
+        <p:spPr>
+          <a:xfrm>
+            <a:off x="0" y="6474372"/>
+            <a:ext cx="12192000" cy="0"/>
+          </a:xfrm>
+          <a:prstGeom prst="line">
+            <a:avLst/>
+          </a:prstGeom>
+          <a:ln>
+            <a:solidFill>
+              <a:schemeClr val="tx1"/>
+            </a:solidFill>
+          </a:ln>
+        </p:spPr>
+        <p:style>
+          <a:lnRef idx="1">
+            <a:schemeClr val="accent1"/>
+          </a:lnRef>
+          <a:fillRef idx="0">
+            <a:schemeClr val="accent1"/>
+          </a:fillRef>
+          <a:effectRef idx="0">
+            <a:schemeClr val="accent1"/>
+          </a:effectRef>
+          <a:fontRef idx="minor">
+            <a:schemeClr val="tx1"/>
+          </a:fontRef>
+        </p:style>
+      </p:cxnSp>
+      <p:sp>
+        <p:nvSpPr>
+          <p:cNvPr id="8" name="TextBox 7"/>
+          <p:cNvSpPr txBox="1"/>
+          <p:nvPr/>
+        </p:nvSpPr>
+        <p:spPr>
+          <a:xfrm>
+            <a:off x="86239" y="6554350"/>
+            <a:ext cx="7234810" cy="261610"/>
+          </a:xfrm>
+          <a:prstGeom prst="rect">
+            <a:avLst/>
+          </a:prstGeom>
+          <a:noFill/>
+        </p:spPr>
+        <p:txBody>
+          <a:bodyPr wrap="square" rtlCol="0">
+            <a:spAutoFit/>
+          </a:bodyPr>
+          <a:lstStyle/>
+          <a:p>
+            <a:r>
+              <a:rPr lang="en-US" sz="1050" b="1" dirty="0" smtClean="0">
+                <a:latin typeface="Segoe UI Light" panose="020B0502040204020203" pitchFamily="34" charset="0"/>
+                <a:cs typeface="Segoe UI Light" panose="020B0502040204020203" pitchFamily="34" charset="0"/>
+              </a:rPr>
+              <a:t>REVILATIONS || AEC HACKATHON 2017</a:t>
+            </a:r>
+            <a:endParaRPr lang="en-US" sz="1050" b="1" dirty="0">
+              <a:latin typeface="Segoe UI Light" panose="020B0502040204020203" pitchFamily="34" charset="0"/>
+              <a:cs typeface="Segoe UI Light" panose="020B0502040204020203" pitchFamily="34" charset="0"/>
+            </a:endParaRPr>
+          </a:p>
+        </p:txBody>
+      </p:sp>
+      <p:sp>
+        <p:nvSpPr>
+          <p:cNvPr id="3" name="Rectangle 2"/>
+          <p:cNvSpPr/>
+          <p:nvPr/>
+        </p:nvSpPr>
+        <p:spPr>
+          <a:xfrm>
+            <a:off x="1040524" y="1498601"/>
+            <a:ext cx="3258207" cy="3672490"/>
+          </a:xfrm>
+          <a:prstGeom prst="rect">
+            <a:avLst/>
+          </a:prstGeom>
+          <a:noFill/>
+          <a:ln w="28575">
+            <a:prstDash val="sysDash"/>
+          </a:ln>
+        </p:spPr>
+        <p:style>
+          <a:lnRef idx="2">
+            <a:schemeClr val="accent1">
+              <a:shade val="50000"/>
+            </a:schemeClr>
+          </a:lnRef>
+          <a:fillRef idx="1">
+            <a:schemeClr val="accent1"/>
+          </a:fillRef>
+          <a:effectRef idx="0">
+            <a:schemeClr val="accent1"/>
+          </a:effectRef>
+          <a:fontRef idx="minor">
+            <a:schemeClr val="lt1"/>
+          </a:fontRef>
+        </p:style>
+        <p:txBody>
+          <a:bodyPr rtlCol="0" anchor="ctr"/>
+          <a:lstStyle/>
+          <a:p>
+            <a:pPr algn="ctr"/>
+            <a:endParaRPr lang="en-US"/>
+          </a:p>
+        </p:txBody>
+      </p:sp>
+      <p:sp>
+        <p:nvSpPr>
+          <p:cNvPr id="9" name="Rectangle 8"/>
+          <p:cNvSpPr/>
+          <p:nvPr/>
+        </p:nvSpPr>
+        <p:spPr>
+          <a:xfrm>
+            <a:off x="4835284" y="2153303"/>
+            <a:ext cx="6042923" cy="3017788"/>
+          </a:xfrm>
+          <a:prstGeom prst="rect">
+            <a:avLst/>
+          </a:prstGeom>
+          <a:noFill/>
+          <a:ln w="28575">
+            <a:prstDash val="sysDash"/>
+          </a:ln>
+        </p:spPr>
+        <p:style>
+          <a:lnRef idx="2">
+            <a:schemeClr val="accent1">
+              <a:shade val="50000"/>
+            </a:schemeClr>
+          </a:lnRef>
+          <a:fillRef idx="1">
+            <a:schemeClr val="accent1"/>
+          </a:fillRef>
+          <a:effectRef idx="0">
+            <a:schemeClr val="accent1"/>
+          </a:effectRef>
+          <a:fontRef idx="minor">
+            <a:schemeClr val="lt1"/>
+          </a:fontRef>
+        </p:style>
+        <p:txBody>
+          <a:bodyPr rtlCol="0" anchor="ctr"/>
+          <a:lstStyle/>
+          <a:p>
+            <a:pPr algn="ctr"/>
+            <a:endParaRPr lang="en-US"/>
+          </a:p>
+        </p:txBody>
+      </p:sp>
+      <p:sp>
+        <p:nvSpPr>
+          <p:cNvPr id="10" name="TextBox 9"/>
+          <p:cNvSpPr txBox="1"/>
+          <p:nvPr/>
+        </p:nvSpPr>
+        <p:spPr>
+          <a:xfrm>
+            <a:off x="4762237" y="1440078"/>
+            <a:ext cx="1797269" cy="307777"/>
+          </a:xfrm>
+          <a:prstGeom prst="rect">
+            <a:avLst/>
+          </a:prstGeom>
+          <a:noFill/>
+        </p:spPr>
+        <p:txBody>
+          <a:bodyPr wrap="square" rtlCol="0">
+            <a:spAutoFit/>
+          </a:bodyPr>
+          <a:lstStyle/>
+          <a:p>
+            <a:r>
+              <a:rPr lang="en-US" sz="1400" dirty="0" smtClean="0"/>
+              <a:t>GUIDE PLATES</a:t>
+            </a:r>
+            <a:endParaRPr lang="en-US" sz="1400" dirty="0"/>
+          </a:p>
+        </p:txBody>
+      </p:sp>
+      <p:cxnSp>
+        <p:nvCxnSpPr>
+          <p:cNvPr id="12" name="Straight Arrow Connector 11"/>
+          <p:cNvCxnSpPr/>
+          <p:nvPr/>
+        </p:nvCxnSpPr>
+        <p:spPr>
+          <a:xfrm flipH="1">
+            <a:off x="4298731" y="1578578"/>
+            <a:ext cx="441435" cy="0"/>
+          </a:xfrm>
+          <a:prstGeom prst="straightConnector1">
+            <a:avLst/>
+          </a:prstGeom>
+          <a:ln>
+            <a:tailEnd type="triangle"/>
+          </a:ln>
+        </p:spPr>
+        <p:style>
+          <a:lnRef idx="1">
+            <a:schemeClr val="accent1"/>
+          </a:lnRef>
+          <a:fillRef idx="0">
+            <a:schemeClr val="accent1"/>
+          </a:fillRef>
+          <a:effectRef idx="0">
+            <a:schemeClr val="accent1"/>
+          </a:effectRef>
+          <a:fontRef idx="minor">
+            <a:schemeClr val="tx1"/>
+          </a:fontRef>
+        </p:style>
+      </p:cxnSp>
+      <p:cxnSp>
+        <p:nvCxnSpPr>
+          <p:cNvPr id="14" name="Straight Arrow Connector 13"/>
+          <p:cNvCxnSpPr/>
+          <p:nvPr/>
+        </p:nvCxnSpPr>
+        <p:spPr>
+          <a:xfrm>
+            <a:off x="5660871" y="1717077"/>
+            <a:ext cx="0" cy="436226"/>
+          </a:xfrm>
+          <a:prstGeom prst="straightConnector1">
+            <a:avLst/>
+          </a:prstGeom>
+          <a:ln>
+            <a:tailEnd type="triangle"/>
+          </a:ln>
+        </p:spPr>
+        <p:style>
+          <a:lnRef idx="1">
+            <a:schemeClr val="accent1"/>
+          </a:lnRef>
+          <a:fillRef idx="0">
+            <a:schemeClr val="accent1"/>
+          </a:fillRef>
+          <a:effectRef idx="0">
+            <a:schemeClr val="accent1"/>
+          </a:effectRef>
+          <a:fontRef idx="minor">
+            <a:schemeClr val="tx1"/>
+          </a:fontRef>
+        </p:style>
+      </p:cxnSp>
     </p:spTree>
     <p:extLst>
       <p:ext uri="{BB962C8B-B14F-4D97-AF65-F5344CB8AC3E}">
-        <p14:creationId xmlns:p14="http://schemas.microsoft.com/office/powerpoint/2010/main" val="1545238856"/>
+        <p14:creationId xmlns:p14="http://schemas.microsoft.com/office/powerpoint/2010/main" val="123461679"/>
       </p:ext>
     </p:extLst>
   </p:cSld>
@@ -3621,106 +4320,121 @@
           <a:chExt cx="0" cy="0"/>
         </a:xfrm>
       </p:grpSpPr>
-      <p:pic>
-        <p:nvPicPr>
-          <p:cNvPr id="7" name="Picture 6"/>
-          <p:cNvPicPr>
-            <a:picLocks noChangeAspect="1"/>
-          </p:cNvPicPr>
+      <p:grpSp>
+        <p:nvGrpSpPr>
+          <p:cNvPr id="3" name="Group 2"/>
+          <p:cNvGrpSpPr/>
           <p:nvPr/>
-        </p:nvPicPr>
-        <p:blipFill>
-          <a:blip r:embed="rId2">
-            <a:extLst>
-              <a:ext uri="{28A0092B-C50C-407E-A947-70E740481C1C}">
-                <a14:useLocalDpi xmlns:a14="http://schemas.microsoft.com/office/drawing/2010/main" val="0"/>
-              </a:ext>
-            </a:extLst>
-          </a:blip>
-          <a:stretch>
-            <a:fillRect/>
-          </a:stretch>
-        </p:blipFill>
-        <p:spPr>
-          <a:xfrm>
-            <a:off x="165100" y="908050"/>
-            <a:ext cx="6819900" cy="5771985"/>
-          </a:xfrm>
-          <a:prstGeom prst="rect">
-            <a:avLst/>
-          </a:prstGeom>
-        </p:spPr>
-      </p:pic>
-      <p:pic>
-        <p:nvPicPr>
-          <p:cNvPr id="2" name="Picture 1"/>
-          <p:cNvPicPr>
-            <a:picLocks noChangeAspect="1"/>
-          </p:cNvPicPr>
-          <p:nvPr/>
-        </p:nvPicPr>
-        <p:blipFill>
-          <a:blip r:embed="rId3">
-            <a:extLst>
-              <a:ext uri="{28A0092B-C50C-407E-A947-70E740481C1C}">
-                <a14:useLocalDpi xmlns:a14="http://schemas.microsoft.com/office/drawing/2010/main" val="0"/>
-              </a:ext>
-            </a:extLst>
-          </a:blip>
-          <a:stretch>
-            <a:fillRect/>
-          </a:stretch>
-        </p:blipFill>
-        <p:spPr>
-          <a:xfrm>
-            <a:off x="508000" y="908050"/>
-            <a:ext cx="3225800" cy="3043005"/>
-          </a:xfrm>
-          <a:prstGeom prst="rect">
-            <a:avLst/>
-          </a:prstGeom>
-        </p:spPr>
-      </p:pic>
-      <p:pic>
-        <p:nvPicPr>
-          <p:cNvPr id="5" name="Picture 4"/>
-          <p:cNvPicPr>
-            <a:picLocks noChangeAspect="1"/>
-          </p:cNvPicPr>
-          <p:nvPr/>
-        </p:nvPicPr>
-        <p:blipFill>
-          <a:blip r:embed="rId4">
-            <a:extLst>
-              <a:ext uri="{28A0092B-C50C-407E-A947-70E740481C1C}">
-                <a14:useLocalDpi xmlns:a14="http://schemas.microsoft.com/office/drawing/2010/main" val="0"/>
-              </a:ext>
-            </a:extLst>
-          </a:blip>
-          <a:stretch>
-            <a:fillRect/>
-          </a:stretch>
-        </p:blipFill>
-        <p:spPr>
-          <a:xfrm>
-            <a:off x="4513649" y="1047250"/>
-            <a:ext cx="4350952" cy="2796509"/>
-          </a:xfrm>
-          <a:prstGeom prst="rect">
-            <a:avLst/>
-          </a:prstGeom>
-        </p:spPr>
-      </p:pic>
-      <p:sp>
-        <p:nvSpPr>
-          <p:cNvPr id="6" name="TextBox 5"/>
+        </p:nvGrpSpPr>
+        <p:grpSpPr>
+          <a:xfrm>
+            <a:off x="165100" y="1692728"/>
+            <a:ext cx="11594731" cy="3675340"/>
+            <a:chOff x="0" y="1533796"/>
+            <a:chExt cx="12401555" cy="3931090"/>
+          </a:xfrm>
+        </p:grpSpPr>
+        <p:pic>
+          <p:nvPicPr>
+            <p:cNvPr id="7" name="Picture 6"/>
+            <p:cNvPicPr>
+              <a:picLocks noChangeAspect="1"/>
+            </p:cNvPicPr>
+            <p:nvPr/>
+          </p:nvPicPr>
+          <p:blipFill>
+            <a:blip r:embed="rId2">
+              <a:extLst>
+                <a:ext uri="{28A0092B-C50C-407E-A947-70E740481C1C}">
+                  <a14:useLocalDpi xmlns:a14="http://schemas.microsoft.com/office/drawing/2010/main" val="0"/>
+                </a:ext>
+              </a:extLst>
+            </a:blip>
+            <a:stretch>
+              <a:fillRect/>
+            </a:stretch>
+          </p:blipFill>
+          <p:spPr>
+            <a:xfrm>
+              <a:off x="0" y="1533796"/>
+              <a:ext cx="4644787" cy="3931090"/>
+            </a:xfrm>
+            <a:prstGeom prst="rect">
+              <a:avLst/>
+            </a:prstGeom>
+          </p:spPr>
+        </p:pic>
+        <p:pic>
+          <p:nvPicPr>
+            <p:cNvPr id="2" name="Picture 1"/>
+            <p:cNvPicPr>
+              <a:picLocks noChangeAspect="1"/>
+            </p:cNvPicPr>
+            <p:nvPr/>
+          </p:nvPicPr>
+          <p:blipFill>
+            <a:blip r:embed="rId3">
+              <a:extLst>
+                <a:ext uri="{28A0092B-C50C-407E-A947-70E740481C1C}">
+                  <a14:useLocalDpi xmlns:a14="http://schemas.microsoft.com/office/drawing/2010/main" val="0"/>
+                </a:ext>
+              </a:extLst>
+            </a:blip>
+            <a:stretch>
+              <a:fillRect/>
+            </a:stretch>
+          </p:blipFill>
+          <p:spPr>
+            <a:xfrm>
+              <a:off x="9175755" y="2148608"/>
+              <a:ext cx="3225800" cy="3043005"/>
+            </a:xfrm>
+            <a:prstGeom prst="rect">
+              <a:avLst/>
+            </a:prstGeom>
+          </p:spPr>
+        </p:pic>
+        <p:pic>
+          <p:nvPicPr>
+            <p:cNvPr id="5" name="Picture 4"/>
+            <p:cNvPicPr>
+              <a:picLocks noChangeAspect="1"/>
+            </p:cNvPicPr>
+            <p:nvPr/>
+          </p:nvPicPr>
+          <p:blipFill>
+            <a:blip r:embed="rId4">
+              <a:extLst>
+                <a:ext uri="{28A0092B-C50C-407E-A947-70E740481C1C}">
+                  <a14:useLocalDpi xmlns:a14="http://schemas.microsoft.com/office/drawing/2010/main" val="0"/>
+                </a:ext>
+              </a:extLst>
+            </a:blip>
+            <a:stretch>
+              <a:fillRect/>
+            </a:stretch>
+          </p:blipFill>
+          <p:spPr>
+            <a:xfrm>
+              <a:off x="4364030" y="2148608"/>
+              <a:ext cx="4350952" cy="2796509"/>
+            </a:xfrm>
+            <a:prstGeom prst="rect">
+              <a:avLst/>
+            </a:prstGeom>
+          </p:spPr>
+        </p:pic>
+      </p:grpSp>
+      <p:sp>
+        <p:nvSpPr>
+          <p:cNvPr id="8" name="TextBox 7"/>
           <p:cNvSpPr txBox="1"/>
           <p:nvPr/>
         </p:nvSpPr>
         <p:spPr>
           <a:xfrm>
-            <a:off x="165100" y="0"/>
-            <a:ext cx="12026899" cy="707886"/>
+            <a:off x="165100" y="107577"/>
+            <a:ext cx="12026899" cy="523220"/>
           </a:xfrm>
           <a:prstGeom prst="rect">
             <a:avLst/>
@@ -3734,15 +4448,86 @@
           <a:lstStyle/>
           <a:p>
             <a:r>
-              <a:rPr lang="en-US" sz="4000" dirty="0" smtClean="0">
+              <a:rPr lang="en-US" sz="2800" dirty="0">
                 <a:latin typeface="Segoe UI" panose="020B0502040204020203" pitchFamily="34" charset="0"/>
                 <a:cs typeface="Segoe UI" panose="020B0502040204020203" pitchFamily="34" charset="0"/>
               </a:rPr>
               <a:t>Use Cases: Any large hospital, lab or office</a:t>
             </a:r>
-            <a:endParaRPr lang="en-US" sz="4000" dirty="0">
+            <a:endParaRPr lang="en-US" sz="2800" dirty="0">
               <a:latin typeface="Segoe UI" panose="020B0502040204020203" pitchFamily="34" charset="0"/>
               <a:cs typeface="Segoe UI" panose="020B0502040204020203" pitchFamily="34" charset="0"/>
+            </a:endParaRPr>
+          </a:p>
+        </p:txBody>
+      </p:sp>
+      <p:cxnSp>
+        <p:nvCxnSpPr>
+          <p:cNvPr id="9" name="Straight Connector 8"/>
+          <p:cNvCxnSpPr/>
+          <p:nvPr/>
+        </p:nvCxnSpPr>
+        <p:spPr>
+          <a:xfrm>
+            <a:off x="0" y="6474372"/>
+            <a:ext cx="12192000" cy="0"/>
+          </a:xfrm>
+          <a:prstGeom prst="line">
+            <a:avLst/>
+          </a:prstGeom>
+          <a:ln>
+            <a:solidFill>
+              <a:schemeClr val="tx1"/>
+            </a:solidFill>
+          </a:ln>
+        </p:spPr>
+        <p:style>
+          <a:lnRef idx="1">
+            <a:schemeClr val="accent1"/>
+          </a:lnRef>
+          <a:fillRef idx="0">
+            <a:schemeClr val="accent1"/>
+          </a:fillRef>
+          <a:effectRef idx="0">
+            <a:schemeClr val="accent1"/>
+          </a:effectRef>
+          <a:fontRef idx="minor">
+            <a:schemeClr val="tx1"/>
+          </a:fontRef>
+        </p:style>
+      </p:cxnSp>
+      <p:sp>
+        <p:nvSpPr>
+          <p:cNvPr id="10" name="TextBox 9"/>
+          <p:cNvSpPr txBox="1"/>
+          <p:nvPr/>
+        </p:nvSpPr>
+        <p:spPr>
+          <a:xfrm>
+            <a:off x="86239" y="6554350"/>
+            <a:ext cx="7234810" cy="261610"/>
+          </a:xfrm>
+          <a:prstGeom prst="rect">
+            <a:avLst/>
+          </a:prstGeom>
+          <a:noFill/>
+        </p:spPr>
+        <p:txBody>
+          <a:bodyPr wrap="square" rtlCol="0">
+            <a:spAutoFit/>
+          </a:bodyPr>
+          <a:lstStyle/>
+          <a:p>
+            <a:r>
+              <a:rPr lang="en-US" sz="1050" b="1" dirty="0" smtClean="0">
+                <a:latin typeface="Segoe UI Light" panose="020B0502040204020203" pitchFamily="34" charset="0"/>
+                <a:cs typeface="Segoe UI Light" panose="020B0502040204020203" pitchFamily="34" charset="0"/>
+              </a:rPr>
+              <a:t>REVILATIONS || AEC HACKATHON 2017</a:t>
+            </a:r>
+            <a:endParaRPr lang="en-US" sz="1050" b="1" dirty="0">
+              <a:latin typeface="Segoe UI Light" panose="020B0502040204020203" pitchFamily="34" charset="0"/>
+              <a:cs typeface="Segoe UI Light" panose="020B0502040204020203" pitchFamily="34" charset="0"/>
             </a:endParaRPr>
           </a:p>
         </p:txBody>
@@ -3751,6 +4536,114 @@
     <p:extLst>
       <p:ext uri="{BB962C8B-B14F-4D97-AF65-F5344CB8AC3E}">
         <p14:creationId xmlns:p14="http://schemas.microsoft.com/office/powerpoint/2010/main" val="1929540577"/>
+      </p:ext>
+    </p:extLst>
+  </p:cSld>
+  <p:clrMapOvr>
+    <a:masterClrMapping/>
+  </p:clrMapOvr>
+  <p:timing>
+    <p:tnLst>
+      <p:par>
+        <p:cTn id="1" dur="indefinite" restart="never" nodeType="tmRoot"/>
+      </p:par>
+    </p:tnLst>
+  </p:timing>
+</p:sld>
+</file>
+
+<file path=ppt/slides/slide8.xml><?xml version="1.0" encoding="utf-8"?>
+<p:sld xmlns:a="http://schemas.openxmlformats.org/drawingml/2006/main" xmlns:r="http://schemas.openxmlformats.org/officeDocument/2006/relationships" xmlns:p="http://schemas.openxmlformats.org/presentationml/2006/main">
+  <p:cSld>
+    <p:spTree>
+      <p:nvGrpSpPr>
+        <p:cNvPr id="1" name=""/>
+        <p:cNvGrpSpPr/>
+        <p:nvPr/>
+      </p:nvGrpSpPr>
+      <p:grpSpPr>
+        <a:xfrm>
+          <a:off x="0" y="0"/>
+          <a:ext cx="0" cy="0"/>
+          <a:chOff x="0" y="0"/>
+          <a:chExt cx="0" cy="0"/>
+        </a:xfrm>
+      </p:grpSpPr>
+      <p:cxnSp>
+        <p:nvCxnSpPr>
+          <p:cNvPr id="9" name="Straight Connector 8"/>
+          <p:cNvCxnSpPr/>
+          <p:nvPr/>
+        </p:nvCxnSpPr>
+        <p:spPr>
+          <a:xfrm>
+            <a:off x="0" y="6474372"/>
+            <a:ext cx="12192000" cy="0"/>
+          </a:xfrm>
+          <a:prstGeom prst="line">
+            <a:avLst/>
+          </a:prstGeom>
+          <a:ln>
+            <a:solidFill>
+              <a:schemeClr val="tx1"/>
+            </a:solidFill>
+          </a:ln>
+        </p:spPr>
+        <p:style>
+          <a:lnRef idx="1">
+            <a:schemeClr val="accent1"/>
+          </a:lnRef>
+          <a:fillRef idx="0">
+            <a:schemeClr val="accent1"/>
+          </a:fillRef>
+          <a:effectRef idx="0">
+            <a:schemeClr val="accent1"/>
+          </a:effectRef>
+          <a:fontRef idx="minor">
+            <a:schemeClr val="tx1"/>
+          </a:fontRef>
+        </p:style>
+      </p:cxnSp>
+      <p:sp>
+        <p:nvSpPr>
+          <p:cNvPr id="10" name="TextBox 9"/>
+          <p:cNvSpPr txBox="1"/>
+          <p:nvPr/>
+        </p:nvSpPr>
+        <p:spPr>
+          <a:xfrm>
+            <a:off x="86239" y="6554350"/>
+            <a:ext cx="7234810" cy="261610"/>
+          </a:xfrm>
+          <a:prstGeom prst="rect">
+            <a:avLst/>
+          </a:prstGeom>
+          <a:noFill/>
+        </p:spPr>
+        <p:txBody>
+          <a:bodyPr wrap="square" rtlCol="0">
+            <a:spAutoFit/>
+          </a:bodyPr>
+          <a:lstStyle/>
+          <a:p>
+            <a:r>
+              <a:rPr lang="en-US" sz="1050" b="1" dirty="0" smtClean="0">
+                <a:latin typeface="Segoe UI Light" panose="020B0502040204020203" pitchFamily="34" charset="0"/>
+                <a:cs typeface="Segoe UI Light" panose="020B0502040204020203" pitchFamily="34" charset="0"/>
+              </a:rPr>
+              <a:t>REVILATIONS || AEC HACKATHON 2017</a:t>
+            </a:r>
+            <a:endParaRPr lang="en-US" sz="1050" b="1" dirty="0">
+              <a:latin typeface="Segoe UI Light" panose="020B0502040204020203" pitchFamily="34" charset="0"/>
+              <a:cs typeface="Segoe UI Light" panose="020B0502040204020203" pitchFamily="34" charset="0"/>
+            </a:endParaRPr>
+          </a:p>
+        </p:txBody>
+      </p:sp>
+    </p:spTree>
+    <p:extLst>
+      <p:ext uri="{BB962C8B-B14F-4D97-AF65-F5344CB8AC3E}">
+        <p14:creationId xmlns:p14="http://schemas.microsoft.com/office/powerpoint/2010/main" val="1850707461"/>
       </p:ext>
     </p:extLst>
   </p:cSld>
